--- a/media/architecture_feb_2020.pptx
+++ b/media/architecture_feb_2020.pptx
@@ -6,8 +6,9 @@
   </p:sldMasterIdLst>
   <p:sldIdLst>
     <p:sldId id="256" r:id="rId2"/>
-    <p:sldId id="260" r:id="rId3"/>
-    <p:sldId id="269" r:id="rId4"/>
+    <p:sldId id="269" r:id="rId3"/>
+    <p:sldId id="270" r:id="rId4"/>
+    <p:sldId id="271" r:id="rId5"/>
   </p:sldIdLst>
   <p:sldSz cx="12192000" cy="6858000"/>
   <p:notesSz cx="6858000" cy="9144000"/>
@@ -263,7 +264,7 @@
           <a:p>
             <a:fld id="{79469025-BEB2-48FB-AA00-4D0D1711978C}" type="datetimeFigureOut">
               <a:rPr lang="en-CA" smtClean="0"/>
-              <a:t>2020-02-09</a:t>
+              <a:t>2020-02-10</a:t>
             </a:fld>
             <a:endParaRPr lang="en-CA"/>
           </a:p>
@@ -463,7 +464,7 @@
           <a:p>
             <a:fld id="{79469025-BEB2-48FB-AA00-4D0D1711978C}" type="datetimeFigureOut">
               <a:rPr lang="en-CA" smtClean="0"/>
-              <a:t>2020-02-09</a:t>
+              <a:t>2020-02-10</a:t>
             </a:fld>
             <a:endParaRPr lang="en-CA"/>
           </a:p>
@@ -673,7 +674,7 @@
           <a:p>
             <a:fld id="{79469025-BEB2-48FB-AA00-4D0D1711978C}" type="datetimeFigureOut">
               <a:rPr lang="en-CA" smtClean="0"/>
-              <a:t>2020-02-09</a:t>
+              <a:t>2020-02-10</a:t>
             </a:fld>
             <a:endParaRPr lang="en-CA"/>
           </a:p>
@@ -873,7 +874,7 @@
           <a:p>
             <a:fld id="{79469025-BEB2-48FB-AA00-4D0D1711978C}" type="datetimeFigureOut">
               <a:rPr lang="en-CA" smtClean="0"/>
-              <a:t>2020-02-09</a:t>
+              <a:t>2020-02-10</a:t>
             </a:fld>
             <a:endParaRPr lang="en-CA"/>
           </a:p>
@@ -1149,7 +1150,7 @@
           <a:p>
             <a:fld id="{79469025-BEB2-48FB-AA00-4D0D1711978C}" type="datetimeFigureOut">
               <a:rPr lang="en-CA" smtClean="0"/>
-              <a:t>2020-02-09</a:t>
+              <a:t>2020-02-10</a:t>
             </a:fld>
             <a:endParaRPr lang="en-CA"/>
           </a:p>
@@ -1417,7 +1418,7 @@
           <a:p>
             <a:fld id="{79469025-BEB2-48FB-AA00-4D0D1711978C}" type="datetimeFigureOut">
               <a:rPr lang="en-CA" smtClean="0"/>
-              <a:t>2020-02-09</a:t>
+              <a:t>2020-02-10</a:t>
             </a:fld>
             <a:endParaRPr lang="en-CA"/>
           </a:p>
@@ -1832,7 +1833,7 @@
           <a:p>
             <a:fld id="{79469025-BEB2-48FB-AA00-4D0D1711978C}" type="datetimeFigureOut">
               <a:rPr lang="en-CA" smtClean="0"/>
-              <a:t>2020-02-09</a:t>
+              <a:t>2020-02-10</a:t>
             </a:fld>
             <a:endParaRPr lang="en-CA"/>
           </a:p>
@@ -1974,7 +1975,7 @@
           <a:p>
             <a:fld id="{79469025-BEB2-48FB-AA00-4D0D1711978C}" type="datetimeFigureOut">
               <a:rPr lang="en-CA" smtClean="0"/>
-              <a:t>2020-02-09</a:t>
+              <a:t>2020-02-10</a:t>
             </a:fld>
             <a:endParaRPr lang="en-CA"/>
           </a:p>
@@ -2087,7 +2088,7 @@
           <a:p>
             <a:fld id="{79469025-BEB2-48FB-AA00-4D0D1711978C}" type="datetimeFigureOut">
               <a:rPr lang="en-CA" smtClean="0"/>
-              <a:t>2020-02-09</a:t>
+              <a:t>2020-02-10</a:t>
             </a:fld>
             <a:endParaRPr lang="en-CA"/>
           </a:p>
@@ -2400,7 +2401,7 @@
           <a:p>
             <a:fld id="{79469025-BEB2-48FB-AA00-4D0D1711978C}" type="datetimeFigureOut">
               <a:rPr lang="en-CA" smtClean="0"/>
-              <a:t>2020-02-09</a:t>
+              <a:t>2020-02-10</a:t>
             </a:fld>
             <a:endParaRPr lang="en-CA"/>
           </a:p>
@@ -2689,7 +2690,7 @@
           <a:p>
             <a:fld id="{79469025-BEB2-48FB-AA00-4D0D1711978C}" type="datetimeFigureOut">
               <a:rPr lang="en-CA" smtClean="0"/>
-              <a:t>2020-02-09</a:t>
+              <a:t>2020-02-10</a:t>
             </a:fld>
             <a:endParaRPr lang="en-CA"/>
           </a:p>
@@ -2932,7 +2933,7 @@
           <a:p>
             <a:fld id="{79469025-BEB2-48FB-AA00-4D0D1711978C}" type="datetimeFigureOut">
               <a:rPr lang="en-CA" smtClean="0"/>
-              <a:t>2020-02-09</a:t>
+              <a:t>2020-02-10</a:t>
             </a:fld>
             <a:endParaRPr lang="en-CA"/>
           </a:p>
@@ -3458,7 +3459,7 @@
         <p:spPr>
           <a:xfrm>
             <a:off x="196753" y="40478"/>
-            <a:ext cx="4079065" cy="461665"/>
+            <a:ext cx="2646815" cy="276999"/>
           </a:xfrm>
           <a:prstGeom prst="rect">
             <a:avLst/>
@@ -3472,19 +3473,54 @@
           <a:lstStyle/>
           <a:p>
             <a:r>
-              <a:rPr lang="en-CA" sz="2400" b="1"/>
-              <a:t>Services architecture Dec 2019</a:t>
-            </a:r>
-            <a:endParaRPr lang="en-CA" sz="2400" b="1" dirty="0"/>
+              <a:rPr lang="en-CA" sz="1200" b="1"/>
+              <a:t>Architecture Feb 2020 blog version full</a:t>
+            </a:r>
+            <a:endParaRPr lang="en-CA" sz="1200" b="1" dirty="0"/>
+          </a:p>
+        </p:txBody>
+      </p:sp>
+      <p:sp>
+        <p:nvSpPr>
+          <p:cNvPr id="29" name="TextBox 28">
+            <a:extLst>
+              <a:ext uri="{FF2B5EF4-FFF2-40B4-BE49-F238E27FC236}">
+                <a16:creationId xmlns:a16="http://schemas.microsoft.com/office/drawing/2014/main" id="{E1FEFF1C-C96B-45F1-8F61-06D32AA4DD2C}"/>
+              </a:ext>
+            </a:extLst>
+          </p:cNvPr>
+          <p:cNvSpPr txBox="1"/>
+          <p:nvPr/>
+        </p:nvSpPr>
+        <p:spPr>
+          <a:xfrm>
+            <a:off x="4920437" y="5148539"/>
+            <a:ext cx="2477473" cy="307777"/>
+          </a:xfrm>
+          <a:prstGeom prst="rect">
+            <a:avLst/>
+          </a:prstGeom>
+          <a:noFill/>
+        </p:spPr>
+        <p:txBody>
+          <a:bodyPr wrap="none" rtlCol="0">
+            <a:spAutoFit/>
+          </a:bodyPr>
+          <a:lstStyle/>
+          <a:p>
+            <a:r>
+              <a:rPr lang="en-CA" sz="1400" b="1" dirty="0"/>
+              <a:t>Facebook Messenger front end</a:t>
+            </a:r>
           </a:p>
         </p:txBody>
       </p:sp>
       <p:pic>
         <p:nvPicPr>
-          <p:cNvPr id="8" name="Picture 7">
-            <a:extLst>
-              <a:ext uri="{FF2B5EF4-FFF2-40B4-BE49-F238E27FC236}">
-                <a16:creationId xmlns:a16="http://schemas.microsoft.com/office/drawing/2014/main" id="{CF6444C3-314E-4247-89F5-CD7C13611A17}"/>
+          <p:cNvPr id="13" name="Picture 12">
+            <a:extLst>
+              <a:ext uri="{FF2B5EF4-FFF2-40B4-BE49-F238E27FC236}">
+                <a16:creationId xmlns:a16="http://schemas.microsoft.com/office/drawing/2014/main" id="{376E0BD5-30E7-41B1-A85E-A67C67D3BCDB}"/>
               </a:ext>
             </a:extLst>
           </p:cNvPr>
@@ -3507,8 +3543,8 @@
         </p:blipFill>
         <p:spPr>
           <a:xfrm>
-            <a:off x="231782" y="515061"/>
-            <a:ext cx="3704187" cy="2146299"/>
+            <a:off x="1782101" y="2961650"/>
+            <a:ext cx="1387338" cy="672127"/>
           </a:xfrm>
           <a:prstGeom prst="rect">
             <a:avLst/>
@@ -3517,10 +3553,10 @@
       </p:pic>
       <p:sp>
         <p:nvSpPr>
-          <p:cNvPr id="26" name="TextBox 25">
-            <a:extLst>
-              <a:ext uri="{FF2B5EF4-FFF2-40B4-BE49-F238E27FC236}">
-                <a16:creationId xmlns:a16="http://schemas.microsoft.com/office/drawing/2014/main" id="{D29DA2CB-FDA9-444D-9209-BF9B0C94315D}"/>
+          <p:cNvPr id="34" name="TextBox 33">
+            <a:extLst>
+              <a:ext uri="{FF2B5EF4-FFF2-40B4-BE49-F238E27FC236}">
+                <a16:creationId xmlns:a16="http://schemas.microsoft.com/office/drawing/2014/main" id="{A7EF4CFB-240A-42BB-B145-81DC1454DB34}"/>
               </a:ext>
             </a:extLst>
           </p:cNvPr>
@@ -3529,8 +3565,8 @@
         </p:nvSpPr>
         <p:spPr>
           <a:xfrm>
-            <a:off x="102242" y="2736502"/>
-            <a:ext cx="3622723" cy="369332"/>
+            <a:off x="1920516" y="3497644"/>
+            <a:ext cx="1039002" cy="307777"/>
           </a:xfrm>
           <a:prstGeom prst="rect">
             <a:avLst/>
@@ -3544,22 +3580,53 @@
           <a:lstStyle/>
           <a:p>
             <a:r>
-              <a:rPr lang="en-CA" b="1" dirty="0" err="1"/>
-              <a:t>Ngrok</a:t>
-            </a:r>
-            <a:r>
-              <a:rPr lang="en-CA" b="1" dirty="0"/>
-              <a:t>: serve localhost as public URL</a:t>
+              <a:rPr lang="en-CA" sz="1400" b="1" dirty="0"/>
+              <a:t>Rasa server</a:t>
+            </a:r>
+          </a:p>
+        </p:txBody>
+      </p:sp>
+      <p:sp>
+        <p:nvSpPr>
+          <p:cNvPr id="36" name="TextBox 35">
+            <a:extLst>
+              <a:ext uri="{FF2B5EF4-FFF2-40B4-BE49-F238E27FC236}">
+                <a16:creationId xmlns:a16="http://schemas.microsoft.com/office/drawing/2014/main" id="{D27BFD31-6F18-43D3-B07F-89B6284149A0}"/>
+              </a:ext>
+            </a:extLst>
+          </p:cNvPr>
+          <p:cNvSpPr txBox="1"/>
+          <p:nvPr/>
+        </p:nvSpPr>
+        <p:spPr>
+          <a:xfrm>
+            <a:off x="21573" y="2777077"/>
+            <a:ext cx="1772047" cy="523220"/>
+          </a:xfrm>
+          <a:prstGeom prst="rect">
+            <a:avLst/>
+          </a:prstGeom>
+          <a:noFill/>
+        </p:spPr>
+        <p:txBody>
+          <a:bodyPr wrap="square" rtlCol="0">
+            <a:spAutoFit/>
+          </a:bodyPr>
+          <a:lstStyle/>
+          <a:p>
+            <a:r>
+              <a:rPr lang="en-CA" sz="1400" b="1" dirty="0"/>
+              <a:t>Python custom actions</a:t>
             </a:r>
           </a:p>
         </p:txBody>
       </p:sp>
       <p:pic>
         <p:nvPicPr>
-          <p:cNvPr id="11" name="Picture 10">
-            <a:extLst>
-              <a:ext uri="{FF2B5EF4-FFF2-40B4-BE49-F238E27FC236}">
-                <a16:creationId xmlns:a16="http://schemas.microsoft.com/office/drawing/2014/main" id="{97BA4994-5A07-4AF7-99FA-C3D4CA4EF1D3}"/>
+          <p:cNvPr id="27" name="Picture 26">
+            <a:extLst>
+              <a:ext uri="{FF2B5EF4-FFF2-40B4-BE49-F238E27FC236}">
+                <a16:creationId xmlns:a16="http://schemas.microsoft.com/office/drawing/2014/main" id="{C48DB128-9170-4FFF-9694-2AC9CB11EB70}"/>
               </a:ext>
             </a:extLst>
           </p:cNvPr>
@@ -3582,25 +3649,20 @@
         </p:blipFill>
         <p:spPr>
           <a:xfrm>
-            <a:off x="8776622" y="4098628"/>
-            <a:ext cx="2935595" cy="2113517"/>
+            <a:off x="3156138" y="1500044"/>
+            <a:ext cx="1631035" cy="257276"/>
           </a:xfrm>
           <a:prstGeom prst="rect">
             <a:avLst/>
           </a:prstGeom>
-          <a:ln>
-            <a:solidFill>
-              <a:prstClr val="ltGray"/>
-            </a:solidFill>
-          </a:ln>
         </p:spPr>
       </p:pic>
       <p:sp>
         <p:nvSpPr>
-          <p:cNvPr id="29" name="TextBox 28">
-            <a:extLst>
-              <a:ext uri="{FF2B5EF4-FFF2-40B4-BE49-F238E27FC236}">
-                <a16:creationId xmlns:a16="http://schemas.microsoft.com/office/drawing/2014/main" id="{E1FEFF1C-C96B-45F1-8F61-06D32AA4DD2C}"/>
+          <p:cNvPr id="38" name="TextBox 37">
+            <a:extLst>
+              <a:ext uri="{FF2B5EF4-FFF2-40B4-BE49-F238E27FC236}">
+                <a16:creationId xmlns:a16="http://schemas.microsoft.com/office/drawing/2014/main" id="{E15C371C-12CC-4319-BF49-576CAA1CDF4F}"/>
               </a:ext>
             </a:extLst>
           </p:cNvPr>
@@ -3609,8 +3671,8 @@
         </p:nvSpPr>
         <p:spPr>
           <a:xfrm>
-            <a:off x="8780371" y="6212145"/>
-            <a:ext cx="3131691" cy="369332"/>
+            <a:off x="3206482" y="1190850"/>
+            <a:ext cx="1541384" cy="307777"/>
           </a:xfrm>
           <a:prstGeom prst="rect">
             <a:avLst/>
@@ -3624,18 +3686,18 @@
           <a:lstStyle/>
           <a:p>
             <a:r>
-              <a:rPr lang="en-CA" b="1" dirty="0"/>
-              <a:t>Facebook Messenger front end</a:t>
+              <a:rPr lang="en-CA" sz="1400" b="1" dirty="0"/>
+              <a:t>Webhook callback</a:t>
             </a:r>
           </a:p>
         </p:txBody>
       </p:sp>
       <p:pic>
         <p:nvPicPr>
-          <p:cNvPr id="13" name="Picture 12">
-            <a:extLst>
-              <a:ext uri="{FF2B5EF4-FFF2-40B4-BE49-F238E27FC236}">
-                <a16:creationId xmlns:a16="http://schemas.microsoft.com/office/drawing/2014/main" id="{376E0BD5-30E7-41B1-A85E-A67C67D3BCDB}"/>
+          <p:cNvPr id="40" name="Picture 39">
+            <a:extLst>
+              <a:ext uri="{FF2B5EF4-FFF2-40B4-BE49-F238E27FC236}">
+                <a16:creationId xmlns:a16="http://schemas.microsoft.com/office/drawing/2014/main" id="{C2198947-0563-46A9-BAFC-1778B13FAD57}"/>
               </a:ext>
             </a:extLst>
           </p:cNvPr>
@@ -3645,7 +3707,7 @@
           <p:nvPr/>
         </p:nvPicPr>
         <p:blipFill>
-          <a:blip r:embed="rId4">
+          <a:blip r:embed="rId2">
             <a:extLst>
               <a:ext uri="{28A0092B-C50C-407E-A947-70E740481C1C}">
                 <a14:useLocalDpi xmlns:a14="http://schemas.microsoft.com/office/drawing/2010/main" val="0"/>
@@ -3658,55 +3720,20 @@
         </p:blipFill>
         <p:spPr>
           <a:xfrm>
-            <a:off x="4433182" y="4557154"/>
-            <a:ext cx="2563619" cy="1242002"/>
+            <a:off x="222747" y="4107637"/>
+            <a:ext cx="916823" cy="444175"/>
           </a:xfrm>
           <a:prstGeom prst="rect">
             <a:avLst/>
           </a:prstGeom>
         </p:spPr>
       </p:pic>
-      <p:sp>
-        <p:nvSpPr>
-          <p:cNvPr id="34" name="TextBox 33">
-            <a:extLst>
-              <a:ext uri="{FF2B5EF4-FFF2-40B4-BE49-F238E27FC236}">
-                <a16:creationId xmlns:a16="http://schemas.microsoft.com/office/drawing/2014/main" id="{A7EF4CFB-240A-42BB-B145-81DC1454DB34}"/>
-              </a:ext>
-            </a:extLst>
-          </p:cNvPr>
-          <p:cNvSpPr txBox="1"/>
-          <p:nvPr/>
-        </p:nvSpPr>
-        <p:spPr>
-          <a:xfrm>
-            <a:off x="4963125" y="5522847"/>
-            <a:ext cx="1281056" cy="369332"/>
-          </a:xfrm>
-          <a:prstGeom prst="rect">
-            <a:avLst/>
-          </a:prstGeom>
-          <a:noFill/>
-        </p:spPr>
-        <p:txBody>
-          <a:bodyPr wrap="none" rtlCol="0">
-            <a:spAutoFit/>
-          </a:bodyPr>
-          <a:lstStyle/>
-          <a:p>
-            <a:r>
-              <a:rPr lang="en-CA" b="1" dirty="0"/>
-              <a:t>Rasa server</a:t>
-            </a:r>
-          </a:p>
-        </p:txBody>
-      </p:sp>
       <p:pic>
         <p:nvPicPr>
-          <p:cNvPr id="19" name="Picture 18">
-            <a:extLst>
-              <a:ext uri="{FF2B5EF4-FFF2-40B4-BE49-F238E27FC236}">
-                <a16:creationId xmlns:a16="http://schemas.microsoft.com/office/drawing/2014/main" id="{D6619274-01C6-4A5E-89C7-88B767308424}"/>
+          <p:cNvPr id="41" name="Picture 40">
+            <a:extLst>
+              <a:ext uri="{FF2B5EF4-FFF2-40B4-BE49-F238E27FC236}">
+                <a16:creationId xmlns:a16="http://schemas.microsoft.com/office/drawing/2014/main" id="{77039D5B-80BA-43AD-9399-D6C36C33C3ED}"/>
               </a:ext>
             </a:extLst>
           </p:cNvPr>
@@ -3716,7 +3743,7 @@
           <p:nvPr/>
         </p:nvPicPr>
         <p:blipFill>
-          <a:blip r:embed="rId5">
+          <a:blip r:embed="rId2">
             <a:extLst>
               <a:ext uri="{28A0092B-C50C-407E-A947-70E740481C1C}">
                 <a14:useLocalDpi xmlns:a14="http://schemas.microsoft.com/office/drawing/2010/main" val="0"/>
@@ -3729,55 +3756,20 @@
         </p:blipFill>
         <p:spPr>
           <a:xfrm>
-            <a:off x="1087127" y="3316896"/>
-            <a:ext cx="979382" cy="979382"/>
+            <a:off x="378700" y="4286050"/>
+            <a:ext cx="916823" cy="444175"/>
           </a:xfrm>
           <a:prstGeom prst="rect">
             <a:avLst/>
           </a:prstGeom>
         </p:spPr>
       </p:pic>
-      <p:sp>
-        <p:nvSpPr>
-          <p:cNvPr id="36" name="TextBox 35">
-            <a:extLst>
-              <a:ext uri="{FF2B5EF4-FFF2-40B4-BE49-F238E27FC236}">
-                <a16:creationId xmlns:a16="http://schemas.microsoft.com/office/drawing/2014/main" id="{D27BFD31-6F18-43D3-B07F-89B6284149A0}"/>
-              </a:ext>
-            </a:extLst>
-          </p:cNvPr>
-          <p:cNvSpPr txBox="1"/>
-          <p:nvPr/>
-        </p:nvSpPr>
-        <p:spPr>
-          <a:xfrm>
-            <a:off x="829845" y="4316533"/>
-            <a:ext cx="1772047" cy="646331"/>
-          </a:xfrm>
-          <a:prstGeom prst="rect">
-            <a:avLst/>
-          </a:prstGeom>
-          <a:noFill/>
-        </p:spPr>
-        <p:txBody>
-          <a:bodyPr wrap="square" rtlCol="0">
-            <a:spAutoFit/>
-          </a:bodyPr>
-          <a:lstStyle/>
-          <a:p>
-            <a:r>
-              <a:rPr lang="en-CA" b="1" dirty="0"/>
-              <a:t>Python custom actions</a:t>
-            </a:r>
-          </a:p>
-        </p:txBody>
-      </p:sp>
       <p:pic>
         <p:nvPicPr>
-          <p:cNvPr id="27" name="Picture 26">
-            <a:extLst>
-              <a:ext uri="{FF2B5EF4-FFF2-40B4-BE49-F238E27FC236}">
-                <a16:creationId xmlns:a16="http://schemas.microsoft.com/office/drawing/2014/main" id="{C48DB128-9170-4FFF-9694-2AC9CB11EB70}"/>
+          <p:cNvPr id="42" name="Picture 41">
+            <a:extLst>
+              <a:ext uri="{FF2B5EF4-FFF2-40B4-BE49-F238E27FC236}">
+                <a16:creationId xmlns:a16="http://schemas.microsoft.com/office/drawing/2014/main" id="{9F093F81-D920-4BB1-A3C8-DAFFDC57152B}"/>
               </a:ext>
             </a:extLst>
           </p:cNvPr>
@@ -3787,7 +3779,7 @@
           <p:nvPr/>
         </p:nvPicPr>
         <p:blipFill>
-          <a:blip r:embed="rId6">
+          <a:blip r:embed="rId2">
             <a:extLst>
               <a:ext uri="{28A0092B-C50C-407E-A947-70E740481C1C}">
                 <a14:useLocalDpi xmlns:a14="http://schemas.microsoft.com/office/drawing/2010/main" val="0"/>
@@ -3800,8 +3792,8 @@
         </p:blipFill>
         <p:spPr>
           <a:xfrm>
-            <a:off x="6834583" y="1545745"/>
-            <a:ext cx="3238400" cy="510819"/>
+            <a:off x="640857" y="4421890"/>
+            <a:ext cx="916823" cy="444175"/>
           </a:xfrm>
           <a:prstGeom prst="rect">
             <a:avLst/>
@@ -3810,10 +3802,10 @@
       </p:pic>
       <p:sp>
         <p:nvSpPr>
-          <p:cNvPr id="38" name="TextBox 37">
-            <a:extLst>
-              <a:ext uri="{FF2B5EF4-FFF2-40B4-BE49-F238E27FC236}">
-                <a16:creationId xmlns:a16="http://schemas.microsoft.com/office/drawing/2014/main" id="{E15C371C-12CC-4319-BF49-576CAA1CDF4F}"/>
+          <p:cNvPr id="43" name="TextBox 42">
+            <a:extLst>
+              <a:ext uri="{FF2B5EF4-FFF2-40B4-BE49-F238E27FC236}">
+                <a16:creationId xmlns:a16="http://schemas.microsoft.com/office/drawing/2014/main" id="{05F4E2FF-364D-4F46-8421-E23D7828FBEC}"/>
               </a:ext>
             </a:extLst>
           </p:cNvPr>
@@ -3822,8 +3814,8 @@
         </p:nvSpPr>
         <p:spPr>
           <a:xfrm>
-            <a:off x="8054922" y="2164347"/>
-            <a:ext cx="1923988" cy="369332"/>
+            <a:off x="-10698" y="4688562"/>
+            <a:ext cx="1119217" cy="307777"/>
           </a:xfrm>
           <a:prstGeom prst="rect">
             <a:avLst/>
@@ -3837,150 +3829,7 @@
           <a:lstStyle/>
           <a:p>
             <a:r>
-              <a:rPr lang="en-CA" b="1" dirty="0"/>
-              <a:t>Webhook callback</a:t>
-            </a:r>
-          </a:p>
-        </p:txBody>
-      </p:sp>
-      <p:pic>
-        <p:nvPicPr>
-          <p:cNvPr id="40" name="Picture 39">
-            <a:extLst>
-              <a:ext uri="{FF2B5EF4-FFF2-40B4-BE49-F238E27FC236}">
-                <a16:creationId xmlns:a16="http://schemas.microsoft.com/office/drawing/2014/main" id="{C2198947-0563-46A9-BAFC-1778B13FAD57}"/>
-              </a:ext>
-            </a:extLst>
-          </p:cNvPr>
-          <p:cNvPicPr>
-            <a:picLocks noChangeAspect="1"/>
-          </p:cNvPicPr>
-          <p:nvPr/>
-        </p:nvPicPr>
-        <p:blipFill>
-          <a:blip r:embed="rId4">
-            <a:extLst>
-              <a:ext uri="{28A0092B-C50C-407E-A947-70E740481C1C}">
-                <a14:useLocalDpi xmlns:a14="http://schemas.microsoft.com/office/drawing/2010/main" val="0"/>
-              </a:ext>
-            </a:extLst>
-          </a:blip>
-          <a:stretch>
-            <a:fillRect/>
-          </a:stretch>
-        </p:blipFill>
-        <p:spPr>
-          <a:xfrm>
-            <a:off x="862828" y="5815886"/>
-            <a:ext cx="916823" cy="444175"/>
-          </a:xfrm>
-          <a:prstGeom prst="rect">
-            <a:avLst/>
-          </a:prstGeom>
-        </p:spPr>
-      </p:pic>
-      <p:pic>
-        <p:nvPicPr>
-          <p:cNvPr id="41" name="Picture 40">
-            <a:extLst>
-              <a:ext uri="{FF2B5EF4-FFF2-40B4-BE49-F238E27FC236}">
-                <a16:creationId xmlns:a16="http://schemas.microsoft.com/office/drawing/2014/main" id="{77039D5B-80BA-43AD-9399-D6C36C33C3ED}"/>
-              </a:ext>
-            </a:extLst>
-          </p:cNvPr>
-          <p:cNvPicPr>
-            <a:picLocks noChangeAspect="1"/>
-          </p:cNvPicPr>
-          <p:nvPr/>
-        </p:nvPicPr>
-        <p:blipFill>
-          <a:blip r:embed="rId4">
-            <a:extLst>
-              <a:ext uri="{28A0092B-C50C-407E-A947-70E740481C1C}">
-                <a14:useLocalDpi xmlns:a14="http://schemas.microsoft.com/office/drawing/2010/main" val="0"/>
-              </a:ext>
-            </a:extLst>
-          </a:blip>
-          <a:stretch>
-            <a:fillRect/>
-          </a:stretch>
-        </p:blipFill>
-        <p:spPr>
-          <a:xfrm>
-            <a:off x="1015228" y="5968286"/>
-            <a:ext cx="916823" cy="444175"/>
-          </a:xfrm>
-          <a:prstGeom prst="rect">
-            <a:avLst/>
-          </a:prstGeom>
-        </p:spPr>
-      </p:pic>
-      <p:pic>
-        <p:nvPicPr>
-          <p:cNvPr id="42" name="Picture 41">
-            <a:extLst>
-              <a:ext uri="{FF2B5EF4-FFF2-40B4-BE49-F238E27FC236}">
-                <a16:creationId xmlns:a16="http://schemas.microsoft.com/office/drawing/2014/main" id="{9F093F81-D920-4BB1-A3C8-DAFFDC57152B}"/>
-              </a:ext>
-            </a:extLst>
-          </p:cNvPr>
-          <p:cNvPicPr>
-            <a:picLocks noChangeAspect="1"/>
-          </p:cNvPicPr>
-          <p:nvPr/>
-        </p:nvPicPr>
-        <p:blipFill>
-          <a:blip r:embed="rId4">
-            <a:extLst>
-              <a:ext uri="{28A0092B-C50C-407E-A947-70E740481C1C}">
-                <a14:useLocalDpi xmlns:a14="http://schemas.microsoft.com/office/drawing/2010/main" val="0"/>
-              </a:ext>
-            </a:extLst>
-          </a:blip>
-          <a:stretch>
-            <a:fillRect/>
-          </a:stretch>
-        </p:blipFill>
-        <p:spPr>
-          <a:xfrm>
-            <a:off x="1280938" y="6130139"/>
-            <a:ext cx="916823" cy="444175"/>
-          </a:xfrm>
-          <a:prstGeom prst="rect">
-            <a:avLst/>
-          </a:prstGeom>
-        </p:spPr>
-      </p:pic>
-      <p:sp>
-        <p:nvSpPr>
-          <p:cNvPr id="43" name="TextBox 42">
-            <a:extLst>
-              <a:ext uri="{FF2B5EF4-FFF2-40B4-BE49-F238E27FC236}">
-                <a16:creationId xmlns:a16="http://schemas.microsoft.com/office/drawing/2014/main" id="{05F4E2FF-364D-4F46-8421-E23D7828FBEC}"/>
-              </a:ext>
-            </a:extLst>
-          </p:cNvPr>
-          <p:cNvSpPr txBox="1"/>
-          <p:nvPr/>
-        </p:nvSpPr>
-        <p:spPr>
-          <a:xfrm>
-            <a:off x="629383" y="6396811"/>
-            <a:ext cx="1383712" cy="369332"/>
-          </a:xfrm>
-          <a:prstGeom prst="rect">
-            <a:avLst/>
-          </a:prstGeom>
-          <a:noFill/>
-        </p:spPr>
-        <p:txBody>
-          <a:bodyPr wrap="none" rtlCol="0">
-            <a:spAutoFit/>
-          </a:bodyPr>
-          <a:lstStyle/>
-          <a:p>
-            <a:r>
-              <a:rPr lang="en-CA" b="1" dirty="0"/>
+              <a:rPr lang="en-CA" sz="1400" b="1" dirty="0"/>
               <a:t>Rasa models</a:t>
             </a:r>
           </a:p>
@@ -3988,10 +3837,10 @@
       </p:sp>
       <p:sp>
         <p:nvSpPr>
-          <p:cNvPr id="30" name="Arrow: Right 29">
-            <a:extLst>
-              <a:ext uri="{FF2B5EF4-FFF2-40B4-BE49-F238E27FC236}">
-                <a16:creationId xmlns:a16="http://schemas.microsoft.com/office/drawing/2014/main" id="{9B2B8664-2200-47BB-A8DC-4874AD8D954E}"/>
+          <p:cNvPr id="50" name="Arrow: Left-Right 49">
+            <a:extLst>
+              <a:ext uri="{FF2B5EF4-FFF2-40B4-BE49-F238E27FC236}">
+                <a16:creationId xmlns:a16="http://schemas.microsoft.com/office/drawing/2014/main" id="{F23AC488-397C-422F-895A-A810C9F1465E}"/>
               </a:ext>
             </a:extLst>
           </p:cNvPr>
@@ -3999,11 +3848,11 @@
           <p:nvPr/>
         </p:nvSpPr>
         <p:spPr>
-          <a:xfrm rot="5400000">
-            <a:off x="6505396" y="3384692"/>
-            <a:ext cx="2723967" cy="283277"/>
-          </a:xfrm>
-          <a:prstGeom prst="rightArrow">
+          <a:xfrm rot="1110392">
+            <a:off x="1020442" y="2563400"/>
+            <a:ext cx="741795" cy="222408"/>
+          </a:xfrm>
+          <a:prstGeom prst="leftRightArrow">
             <a:avLst/>
           </a:prstGeom>
         </p:spPr>
@@ -4034,53 +3883,10 @@
       </p:sp>
       <p:sp>
         <p:nvSpPr>
-          <p:cNvPr id="45" name="TextBox 44">
-            <a:extLst>
-              <a:ext uri="{FF2B5EF4-FFF2-40B4-BE49-F238E27FC236}">
-                <a16:creationId xmlns:a16="http://schemas.microsoft.com/office/drawing/2014/main" id="{3C8F95DC-5419-428F-8428-2DFDB75E7BE7}"/>
-              </a:ext>
-            </a:extLst>
-          </p:cNvPr>
-          <p:cNvSpPr txBox="1"/>
-          <p:nvPr/>
-        </p:nvSpPr>
-        <p:spPr>
-          <a:xfrm>
-            <a:off x="4152125" y="1895298"/>
-            <a:ext cx="2369559" cy="369332"/>
-          </a:xfrm>
-          <a:prstGeom prst="rect">
-            <a:avLst/>
-          </a:prstGeom>
-          <a:noFill/>
-        </p:spPr>
-        <p:txBody>
-          <a:bodyPr wrap="none" rtlCol="0">
-            <a:spAutoFit/>
-          </a:bodyPr>
-          <a:lstStyle/>
-          <a:p>
-            <a:r>
-              <a:rPr lang="en-CA" b="1" i="1" dirty="0"/>
-              <a:t>Public URL from </a:t>
-            </a:r>
-            <a:r>
-              <a:rPr lang="en-CA" b="1" i="1" dirty="0" err="1"/>
-              <a:t>ngrok</a:t>
-            </a:r>
-            <a:r>
-              <a:rPr lang="en-CA" b="1" i="1" dirty="0"/>
-              <a:t> </a:t>
-            </a:r>
-          </a:p>
-        </p:txBody>
-      </p:sp>
-      <p:sp>
-        <p:nvSpPr>
-          <p:cNvPr id="46" name="Arrow: Right 45">
-            <a:extLst>
-              <a:ext uri="{FF2B5EF4-FFF2-40B4-BE49-F238E27FC236}">
-                <a16:creationId xmlns:a16="http://schemas.microsoft.com/office/drawing/2014/main" id="{AD1E5DDB-0904-485A-AA3C-B504BE1AA32F}"/>
+          <p:cNvPr id="52" name="Arrow: Left-Right 51">
+            <a:extLst>
+              <a:ext uri="{FF2B5EF4-FFF2-40B4-BE49-F238E27FC236}">
+                <a16:creationId xmlns:a16="http://schemas.microsoft.com/office/drawing/2014/main" id="{A7596941-6DF2-439C-8C9D-3F44C22C3708}"/>
               </a:ext>
             </a:extLst>
           </p:cNvPr>
@@ -4088,11 +3894,11 @@
           <p:nvPr/>
         </p:nvSpPr>
         <p:spPr>
-          <a:xfrm rot="18128847">
-            <a:off x="4845724" y="3260485"/>
-            <a:ext cx="2773286" cy="259967"/>
-          </a:xfrm>
-          <a:prstGeom prst="rightArrow">
+          <a:xfrm rot="8998235">
+            <a:off x="1039551" y="3708412"/>
+            <a:ext cx="674862" cy="204909"/>
+          </a:xfrm>
+          <a:prstGeom prst="leftRightArrow">
             <a:avLst/>
           </a:prstGeom>
         </p:spPr>
@@ -4123,10 +3929,10 @@
       </p:sp>
       <p:sp>
         <p:nvSpPr>
-          <p:cNvPr id="47" name="TextBox 46">
-            <a:extLst>
-              <a:ext uri="{FF2B5EF4-FFF2-40B4-BE49-F238E27FC236}">
-                <a16:creationId xmlns:a16="http://schemas.microsoft.com/office/drawing/2014/main" id="{180F0D51-C0E1-44DF-952A-544CF5B0EBF1}"/>
+          <p:cNvPr id="53" name="TextBox 52">
+            <a:extLst>
+              <a:ext uri="{FF2B5EF4-FFF2-40B4-BE49-F238E27FC236}">
+                <a16:creationId xmlns:a16="http://schemas.microsoft.com/office/drawing/2014/main" id="{140CEF5B-5439-4EBE-9AA6-246CB212740E}"/>
               </a:ext>
             </a:extLst>
           </p:cNvPr>
@@ -4134,9 +3940,9 @@
           <p:nvPr/>
         </p:nvSpPr>
         <p:spPr>
-          <a:xfrm rot="18110284">
-            <a:off x="4784353" y="3258347"/>
-            <a:ext cx="1774523" cy="646331"/>
+          <a:xfrm rot="19842273">
+            <a:off x="878959" y="3204454"/>
+            <a:ext cx="1383713" cy="307777"/>
           </a:xfrm>
           <a:prstGeom prst="rect">
             <a:avLst/>
@@ -4149,28 +3955,58 @@
           </a:bodyPr>
           <a:lstStyle/>
           <a:p>
-            <a:pPr algn="r"/>
-            <a:r>
-              <a:rPr lang="en-CA" b="1" i="1" dirty="0"/>
-              <a:t>Token from </a:t>
-            </a:r>
-            <a:r>
-              <a:rPr lang="en-CA" b="1" i="1" dirty="0" err="1"/>
-              <a:t>credentials.yml</a:t>
-            </a:r>
-            <a:r>
-              <a:rPr lang="en-CA" b="1" i="1" dirty="0"/>
-              <a:t> </a:t>
-            </a:r>
-          </a:p>
-        </p:txBody>
-      </p:sp>
-      <p:sp>
-        <p:nvSpPr>
-          <p:cNvPr id="48" name="Arrow: Right 47">
-            <a:extLst>
-              <a:ext uri="{FF2B5EF4-FFF2-40B4-BE49-F238E27FC236}">
-                <a16:creationId xmlns:a16="http://schemas.microsoft.com/office/drawing/2014/main" id="{BCE18A63-FFC7-4AEC-AB66-80C5A5BCDF77}"/>
+            <a:r>
+              <a:rPr lang="en-CA" sz="1400" b="1" i="1" dirty="0"/>
+              <a:t>Models</a:t>
+            </a:r>
+          </a:p>
+        </p:txBody>
+      </p:sp>
+      <p:sp>
+        <p:nvSpPr>
+          <p:cNvPr id="56" name="TextBox 55">
+            <a:extLst>
+              <a:ext uri="{FF2B5EF4-FFF2-40B4-BE49-F238E27FC236}">
+                <a16:creationId xmlns:a16="http://schemas.microsoft.com/office/drawing/2014/main" id="{0C33F7D8-42B2-44CA-8F52-67F69AD8CE5A}"/>
+              </a:ext>
+            </a:extLst>
+          </p:cNvPr>
+          <p:cNvSpPr txBox="1"/>
+          <p:nvPr/>
+        </p:nvSpPr>
+        <p:spPr>
+          <a:xfrm rot="1117605">
+            <a:off x="876244" y="2388256"/>
+            <a:ext cx="2189197" cy="307777"/>
+          </a:xfrm>
+          <a:prstGeom prst="rect">
+            <a:avLst/>
+          </a:prstGeom>
+          <a:noFill/>
+        </p:spPr>
+        <p:txBody>
+          <a:bodyPr wrap="square" rtlCol="0">
+            <a:spAutoFit/>
+          </a:bodyPr>
+          <a:lstStyle/>
+          <a:p>
+            <a:r>
+              <a:rPr lang="en-CA" sz="1400" b="1" i="1"/>
+              <a:t>Actions </a:t>
+            </a:r>
+            <a:r>
+              <a:rPr lang="en-CA" sz="1400" b="1" i="1" dirty="0"/>
+              <a:t>&amp; slot values</a:t>
+            </a:r>
+          </a:p>
+        </p:txBody>
+      </p:sp>
+      <p:sp>
+        <p:nvSpPr>
+          <p:cNvPr id="54" name="Arrow: Left-Right 53">
+            <a:extLst>
+              <a:ext uri="{FF2B5EF4-FFF2-40B4-BE49-F238E27FC236}">
+                <a16:creationId xmlns:a16="http://schemas.microsoft.com/office/drawing/2014/main" id="{1612E2DA-2A7D-49E9-BDA2-F8FE24EF9512}"/>
               </a:ext>
             </a:extLst>
           </p:cNvPr>
@@ -4179,10 +4015,10 @@
         </p:nvSpPr>
         <p:spPr>
           <a:xfrm>
-            <a:off x="3998569" y="1662449"/>
-            <a:ext cx="2741056" cy="303044"/>
-          </a:xfrm>
-          <a:prstGeom prst="rightArrow">
+            <a:off x="3206482" y="3037589"/>
+            <a:ext cx="1826971" cy="241871"/>
+          </a:xfrm>
+          <a:prstGeom prst="leftRightArrow">
             <a:avLst/>
           </a:prstGeom>
         </p:spPr>
@@ -4213,10 +4049,190 @@
       </p:sp>
       <p:sp>
         <p:nvSpPr>
-          <p:cNvPr id="50" name="Arrow: Left-Right 49">
-            <a:extLst>
-              <a:ext uri="{FF2B5EF4-FFF2-40B4-BE49-F238E27FC236}">
-                <a16:creationId xmlns:a16="http://schemas.microsoft.com/office/drawing/2014/main" id="{F23AC488-397C-422F-895A-A810C9F1465E}"/>
+          <p:cNvPr id="63" name="TextBox 62">
+            <a:extLst>
+              <a:ext uri="{FF2B5EF4-FFF2-40B4-BE49-F238E27FC236}">
+                <a16:creationId xmlns:a16="http://schemas.microsoft.com/office/drawing/2014/main" id="{85794D0B-233F-46B1-B1DC-92434B2ADAC2}"/>
+              </a:ext>
+            </a:extLst>
+          </p:cNvPr>
+          <p:cNvSpPr txBox="1"/>
+          <p:nvPr/>
+        </p:nvSpPr>
+        <p:spPr>
+          <a:xfrm>
+            <a:off x="7714096" y="694670"/>
+            <a:ext cx="1439167" cy="307777"/>
+          </a:xfrm>
+          <a:prstGeom prst="rect">
+            <a:avLst/>
+          </a:prstGeom>
+          <a:noFill/>
+        </p:spPr>
+        <p:txBody>
+          <a:bodyPr wrap="square" rtlCol="0">
+            <a:spAutoFit/>
+          </a:bodyPr>
+          <a:lstStyle/>
+          <a:p>
+            <a:r>
+              <a:rPr lang="en-CA" sz="1400" b="1"/>
+              <a:t>Flask web server</a:t>
+            </a:r>
+            <a:endParaRPr lang="en-CA" sz="1400" b="1" dirty="0"/>
+          </a:p>
+        </p:txBody>
+      </p:sp>
+      <p:pic>
+        <p:nvPicPr>
+          <p:cNvPr id="62" name="Picture 61">
+            <a:extLst>
+              <a:ext uri="{FF2B5EF4-FFF2-40B4-BE49-F238E27FC236}">
+                <a16:creationId xmlns:a16="http://schemas.microsoft.com/office/drawing/2014/main" id="{CCD3D13B-7BF0-4E69-95C8-CC65CA38172D}"/>
+              </a:ext>
+            </a:extLst>
+          </p:cNvPr>
+          <p:cNvPicPr>
+            <a:picLocks noChangeAspect="1"/>
+          </p:cNvPicPr>
+          <p:nvPr/>
+        </p:nvPicPr>
+        <p:blipFill>
+          <a:blip r:embed="rId4">
+            <a:extLst>
+              <a:ext uri="{28A0092B-C50C-407E-A947-70E740481C1C}">
+                <a14:useLocalDpi xmlns:a14="http://schemas.microsoft.com/office/drawing/2010/main" val="0"/>
+              </a:ext>
+            </a:extLst>
+          </a:blip>
+          <a:stretch>
+            <a:fillRect/>
+          </a:stretch>
+        </p:blipFill>
+        <p:spPr>
+          <a:xfrm>
+            <a:off x="7845270" y="1080358"/>
+            <a:ext cx="593396" cy="593396"/>
+          </a:xfrm>
+          <a:prstGeom prst="rect">
+            <a:avLst/>
+          </a:prstGeom>
+        </p:spPr>
+      </p:pic>
+      <p:pic>
+        <p:nvPicPr>
+          <p:cNvPr id="67" name="Picture 66">
+            <a:extLst>
+              <a:ext uri="{FF2B5EF4-FFF2-40B4-BE49-F238E27FC236}">
+                <a16:creationId xmlns:a16="http://schemas.microsoft.com/office/drawing/2014/main" id="{AD875248-9D29-4BF3-B342-90D4514B0D9C}"/>
+              </a:ext>
+            </a:extLst>
+          </p:cNvPr>
+          <p:cNvPicPr>
+            <a:picLocks noChangeAspect="1"/>
+          </p:cNvPicPr>
+          <p:nvPr/>
+        </p:nvPicPr>
+        <p:blipFill>
+          <a:blip r:embed="rId4">
+            <a:extLst>
+              <a:ext uri="{28A0092B-C50C-407E-A947-70E740481C1C}">
+                <a14:useLocalDpi xmlns:a14="http://schemas.microsoft.com/office/drawing/2010/main" val="0"/>
+              </a:ext>
+            </a:extLst>
+          </a:blip>
+          <a:stretch>
+            <a:fillRect/>
+          </a:stretch>
+        </p:blipFill>
+        <p:spPr>
+          <a:xfrm>
+            <a:off x="224412" y="2092442"/>
+            <a:ext cx="593396" cy="593396"/>
+          </a:xfrm>
+          <a:prstGeom prst="rect">
+            <a:avLst/>
+          </a:prstGeom>
+        </p:spPr>
+      </p:pic>
+      <p:pic>
+        <p:nvPicPr>
+          <p:cNvPr id="10" name="Picture 9">
+            <a:extLst>
+              <a:ext uri="{FF2B5EF4-FFF2-40B4-BE49-F238E27FC236}">
+                <a16:creationId xmlns:a16="http://schemas.microsoft.com/office/drawing/2014/main" id="{C9ECC397-7A35-4262-A06A-D12899FE03D3}"/>
+              </a:ext>
+            </a:extLst>
+          </p:cNvPr>
+          <p:cNvPicPr>
+            <a:picLocks noChangeAspect="1"/>
+          </p:cNvPicPr>
+          <p:nvPr/>
+        </p:nvPicPr>
+        <p:blipFill>
+          <a:blip r:embed="rId5">
+            <a:extLst>
+              <a:ext uri="{28A0092B-C50C-407E-A947-70E740481C1C}">
+                <a14:useLocalDpi xmlns:a14="http://schemas.microsoft.com/office/drawing/2010/main" val="0"/>
+              </a:ext>
+            </a:extLst>
+          </a:blip>
+          <a:stretch>
+            <a:fillRect/>
+          </a:stretch>
+        </p:blipFill>
+        <p:spPr>
+          <a:xfrm>
+            <a:off x="3538281" y="2834248"/>
+            <a:ext cx="1051839" cy="631104"/>
+          </a:xfrm>
+          <a:prstGeom prst="rect">
+            <a:avLst/>
+          </a:prstGeom>
+        </p:spPr>
+      </p:pic>
+      <p:sp>
+        <p:nvSpPr>
+          <p:cNvPr id="57" name="TextBox 56">
+            <a:extLst>
+              <a:ext uri="{FF2B5EF4-FFF2-40B4-BE49-F238E27FC236}">
+                <a16:creationId xmlns:a16="http://schemas.microsoft.com/office/drawing/2014/main" id="{B9B7564A-1E66-4D47-8169-D767830A8AA2}"/>
+              </a:ext>
+            </a:extLst>
+          </p:cNvPr>
+          <p:cNvSpPr txBox="1"/>
+          <p:nvPr/>
+        </p:nvSpPr>
+        <p:spPr>
+          <a:xfrm>
+            <a:off x="3403114" y="3297713"/>
+            <a:ext cx="1279341" cy="307777"/>
+          </a:xfrm>
+          <a:prstGeom prst="rect">
+            <a:avLst/>
+          </a:prstGeom>
+          <a:noFill/>
+        </p:spPr>
+        <p:txBody>
+          <a:bodyPr wrap="square" rtlCol="0">
+            <a:spAutoFit/>
+          </a:bodyPr>
+          <a:lstStyle/>
+          <a:p>
+            <a:r>
+              <a:rPr lang="en-CA" sz="1400" b="1" i="1"/>
+              <a:t>Rasa / FM link</a:t>
+            </a:r>
+            <a:endParaRPr lang="en-CA" sz="1400" b="1" i="1" dirty="0"/>
+          </a:p>
+        </p:txBody>
+      </p:sp>
+      <p:sp>
+        <p:nvSpPr>
+          <p:cNvPr id="68" name="Arrow: Left-Right 67">
+            <a:extLst>
+              <a:ext uri="{FF2B5EF4-FFF2-40B4-BE49-F238E27FC236}">
+                <a16:creationId xmlns:a16="http://schemas.microsoft.com/office/drawing/2014/main" id="{19FFB9DC-238C-4134-A00E-8F99075F4223}"/>
               </a:ext>
             </a:extLst>
           </p:cNvPr>
@@ -4224,9 +4240,9 @@
           <p:nvPr/>
         </p:nvSpPr>
         <p:spPr>
-          <a:xfrm rot="1110392">
-            <a:off x="2067886" y="4226912"/>
-            <a:ext cx="2340110" cy="280508"/>
+          <a:xfrm rot="16200000">
+            <a:off x="3377481" y="2286820"/>
+            <a:ext cx="1186327" cy="177512"/>
           </a:xfrm>
           <a:prstGeom prst="leftRightArrow">
             <a:avLst/>
@@ -4259,10 +4275,10 @@
       </p:sp>
       <p:sp>
         <p:nvSpPr>
-          <p:cNvPr id="52" name="Arrow: Left-Right 51">
-            <a:extLst>
-              <a:ext uri="{FF2B5EF4-FFF2-40B4-BE49-F238E27FC236}">
-                <a16:creationId xmlns:a16="http://schemas.microsoft.com/office/drawing/2014/main" id="{A7596941-6DF2-439C-8C9D-3F44C22C3708}"/>
+          <p:cNvPr id="69" name="Arrow: Left-Right 68">
+            <a:extLst>
+              <a:ext uri="{FF2B5EF4-FFF2-40B4-BE49-F238E27FC236}">
+                <a16:creationId xmlns:a16="http://schemas.microsoft.com/office/drawing/2014/main" id="{9D8D1F09-08A9-40ED-B90D-4029208380C5}"/>
               </a:ext>
             </a:extLst>
           </p:cNvPr>
@@ -4270,9 +4286,9 @@
           <p:nvPr/>
         </p:nvSpPr>
         <p:spPr>
-          <a:xfrm rot="9868835">
-            <a:off x="2041031" y="5447441"/>
-            <a:ext cx="2454144" cy="314930"/>
+          <a:xfrm>
+            <a:off x="7543699" y="3037589"/>
+            <a:ext cx="1826971" cy="241871"/>
           </a:xfrm>
           <a:prstGeom prst="leftRightArrow">
             <a:avLst/>
@@ -4303,12 +4319,48 @@
           </a:p>
         </p:txBody>
       </p:sp>
-      <p:sp>
-        <p:nvSpPr>
-          <p:cNvPr id="53" name="TextBox 52">
-            <a:extLst>
-              <a:ext uri="{FF2B5EF4-FFF2-40B4-BE49-F238E27FC236}">
-                <a16:creationId xmlns:a16="http://schemas.microsoft.com/office/drawing/2014/main" id="{140CEF5B-5439-4EBE-9AA6-246CB212740E}"/>
+      <p:pic>
+        <p:nvPicPr>
+          <p:cNvPr id="70" name="Picture 69">
+            <a:extLst>
+              <a:ext uri="{FF2B5EF4-FFF2-40B4-BE49-F238E27FC236}">
+                <a16:creationId xmlns:a16="http://schemas.microsoft.com/office/drawing/2014/main" id="{556120BA-2181-4AC1-9CAB-D3D7241C5AD2}"/>
+              </a:ext>
+            </a:extLst>
+          </p:cNvPr>
+          <p:cNvPicPr>
+            <a:picLocks noChangeAspect="1"/>
+          </p:cNvPicPr>
+          <p:nvPr/>
+        </p:nvPicPr>
+        <p:blipFill>
+          <a:blip r:embed="rId5">
+            <a:extLst>
+              <a:ext uri="{28A0092B-C50C-407E-A947-70E740481C1C}">
+                <a14:useLocalDpi xmlns:a14="http://schemas.microsoft.com/office/drawing/2010/main" val="0"/>
+              </a:ext>
+            </a:extLst>
+          </a:blip>
+          <a:stretch>
+            <a:fillRect/>
+          </a:stretch>
+        </p:blipFill>
+        <p:spPr>
+          <a:xfrm>
+            <a:off x="7875498" y="2834248"/>
+            <a:ext cx="1051839" cy="631104"/>
+          </a:xfrm>
+          <a:prstGeom prst="rect">
+            <a:avLst/>
+          </a:prstGeom>
+        </p:spPr>
+      </p:pic>
+      <p:sp>
+        <p:nvSpPr>
+          <p:cNvPr id="71" name="TextBox 70">
+            <a:extLst>
+              <a:ext uri="{FF2B5EF4-FFF2-40B4-BE49-F238E27FC236}">
+                <a16:creationId xmlns:a16="http://schemas.microsoft.com/office/drawing/2014/main" id="{26106624-6AAC-4564-8E95-67B39E61DCFA}"/>
               </a:ext>
             </a:extLst>
           </p:cNvPr>
@@ -4316,9 +4368,9 @@
           <p:nvPr/>
         </p:nvSpPr>
         <p:spPr>
-          <a:xfrm rot="20681727">
-            <a:off x="2538402" y="5186456"/>
-            <a:ext cx="1383713" cy="369332"/>
+          <a:xfrm>
+            <a:off x="7740331" y="3297713"/>
+            <a:ext cx="1279341" cy="523220"/>
           </a:xfrm>
           <a:prstGeom prst="rect">
             <a:avLst/>
@@ -4332,88 +4384,19 @@
           <a:lstStyle/>
           <a:p>
             <a:r>
-              <a:rPr lang="en-CA" b="1" i="1" dirty="0"/>
-              <a:t>Models</a:t>
-            </a:r>
-          </a:p>
-        </p:txBody>
-      </p:sp>
-      <p:sp>
-        <p:nvSpPr>
-          <p:cNvPr id="56" name="TextBox 55">
-            <a:extLst>
-              <a:ext uri="{FF2B5EF4-FFF2-40B4-BE49-F238E27FC236}">
-                <a16:creationId xmlns:a16="http://schemas.microsoft.com/office/drawing/2014/main" id="{0C33F7D8-42B2-44CA-8F52-67F69AD8CE5A}"/>
-              </a:ext>
-            </a:extLst>
-          </p:cNvPr>
-          <p:cNvSpPr txBox="1"/>
-          <p:nvPr/>
-        </p:nvSpPr>
-        <p:spPr>
-          <a:xfrm rot="1117605">
-            <a:off x="2445846" y="3764825"/>
-            <a:ext cx="2189197" cy="646331"/>
-          </a:xfrm>
-          <a:prstGeom prst="rect">
-            <a:avLst/>
-          </a:prstGeom>
-          <a:noFill/>
-        </p:spPr>
-        <p:txBody>
-          <a:bodyPr wrap="square" rtlCol="0">
-            <a:spAutoFit/>
-          </a:bodyPr>
-          <a:lstStyle/>
-          <a:p>
-            <a:r>
-              <a:rPr lang="en-CA" b="1" i="1" dirty="0"/>
-              <a:t>Custom actions &amp; slot values</a:t>
-            </a:r>
-          </a:p>
-        </p:txBody>
-      </p:sp>
-      <p:sp>
-        <p:nvSpPr>
-          <p:cNvPr id="57" name="TextBox 56">
-            <a:extLst>
-              <a:ext uri="{FF2B5EF4-FFF2-40B4-BE49-F238E27FC236}">
-                <a16:creationId xmlns:a16="http://schemas.microsoft.com/office/drawing/2014/main" id="{B9B7564A-1E66-4D47-8169-D767830A8AA2}"/>
-              </a:ext>
-            </a:extLst>
-          </p:cNvPr>
-          <p:cNvSpPr txBox="1"/>
-          <p:nvPr/>
-        </p:nvSpPr>
-        <p:spPr>
-          <a:xfrm>
-            <a:off x="7976214" y="2814692"/>
-            <a:ext cx="2081404" cy="646331"/>
-          </a:xfrm>
-          <a:prstGeom prst="rect">
-            <a:avLst/>
-          </a:prstGeom>
-          <a:noFill/>
-        </p:spPr>
-        <p:txBody>
-          <a:bodyPr wrap="square" rtlCol="0">
-            <a:spAutoFit/>
-          </a:bodyPr>
-          <a:lstStyle/>
-          <a:p>
-            <a:r>
-              <a:rPr lang="en-CA" b="1" i="1" dirty="0"/>
-              <a:t>Link between Rasa server and FM</a:t>
-            </a:r>
-          </a:p>
-        </p:txBody>
-      </p:sp>
-      <p:sp>
-        <p:nvSpPr>
-          <p:cNvPr id="58" name="Arrow: Left-Right 57">
-            <a:extLst>
-              <a:ext uri="{FF2B5EF4-FFF2-40B4-BE49-F238E27FC236}">
-                <a16:creationId xmlns:a16="http://schemas.microsoft.com/office/drawing/2014/main" id="{4663F89D-B3FD-4993-A15C-AF22A397F32C}"/>
+              <a:rPr lang="en-CA" sz="1400" b="1" i="1"/>
+              <a:t>Webview / FM link</a:t>
+            </a:r>
+            <a:endParaRPr lang="en-CA" sz="1400" b="1" i="1" dirty="0"/>
+          </a:p>
+        </p:txBody>
+      </p:sp>
+      <p:sp>
+        <p:nvSpPr>
+          <p:cNvPr id="72" name="Arrow: Left-Right 71">
+            <a:extLst>
+              <a:ext uri="{FF2B5EF4-FFF2-40B4-BE49-F238E27FC236}">
+                <a16:creationId xmlns:a16="http://schemas.microsoft.com/office/drawing/2014/main" id="{F1F0664F-9939-4251-992C-1CACB83A0DF4}"/>
               </a:ext>
             </a:extLst>
           </p:cNvPr>
@@ -4421,9 +4404,9 @@
           <p:nvPr/>
         </p:nvSpPr>
         <p:spPr>
-          <a:xfrm rot="10800000">
-            <a:off x="6980064" y="4856756"/>
-            <a:ext cx="1796558" cy="315907"/>
+          <a:xfrm rot="16200000">
+            <a:off x="7775265" y="2253999"/>
+            <a:ext cx="1186327" cy="177512"/>
           </a:xfrm>
           <a:prstGeom prst="leftRightArrow">
             <a:avLst/>
@@ -4456,108 +4439,10 @@
       </p:sp>
       <p:sp>
         <p:nvSpPr>
-          <p:cNvPr id="39" name="Explosion: 8 Points 38">
-            <a:extLst>
-              <a:ext uri="{FF2B5EF4-FFF2-40B4-BE49-F238E27FC236}">
-                <a16:creationId xmlns:a16="http://schemas.microsoft.com/office/drawing/2014/main" id="{4BE60DE0-8679-4ED3-8C8B-41425AC397D0}"/>
-              </a:ext>
-            </a:extLst>
-          </p:cNvPr>
-          <p:cNvSpPr/>
-          <p:nvPr/>
-        </p:nvSpPr>
-        <p:spPr>
-          <a:xfrm>
-            <a:off x="4928076" y="1255597"/>
-            <a:ext cx="457200" cy="510820"/>
-          </a:xfrm>
-          <a:prstGeom prst="irregularSeal1">
-            <a:avLst/>
-          </a:prstGeom>
-          <a:solidFill>
-            <a:srgbClr val="FF0000"/>
-          </a:solidFill>
-        </p:spPr>
-        <p:style>
-          <a:lnRef idx="2">
-            <a:schemeClr val="accent1">
-              <a:shade val="50000"/>
-            </a:schemeClr>
-          </a:lnRef>
-          <a:fillRef idx="1">
-            <a:schemeClr val="accent1"/>
-          </a:fillRef>
-          <a:effectRef idx="0">
-            <a:schemeClr val="accent1"/>
-          </a:effectRef>
-          <a:fontRef idx="minor">
-            <a:schemeClr val="lt1"/>
-          </a:fontRef>
-        </p:style>
-        <p:txBody>
-          <a:bodyPr rtlCol="0" anchor="ctr"/>
-          <a:lstStyle/>
-          <a:p>
-            <a:pPr algn="ctr"/>
-            <a:endParaRPr lang="en-CA"/>
-          </a:p>
-        </p:txBody>
-      </p:sp>
-      <p:sp>
-        <p:nvSpPr>
-          <p:cNvPr id="59" name="Explosion: 8 Points 58">
-            <a:extLst>
-              <a:ext uri="{FF2B5EF4-FFF2-40B4-BE49-F238E27FC236}">
-                <a16:creationId xmlns:a16="http://schemas.microsoft.com/office/drawing/2014/main" id="{32CFB61D-81FB-4E77-A8E2-41E3BC297A10}"/>
-              </a:ext>
-            </a:extLst>
-          </p:cNvPr>
-          <p:cNvSpPr/>
-          <p:nvPr/>
-        </p:nvSpPr>
-        <p:spPr>
-          <a:xfrm>
-            <a:off x="7597722" y="5110695"/>
-            <a:ext cx="457200" cy="510820"/>
-          </a:xfrm>
-          <a:prstGeom prst="irregularSeal1">
-            <a:avLst/>
-          </a:prstGeom>
-          <a:solidFill>
-            <a:srgbClr val="FF0000"/>
-          </a:solidFill>
-        </p:spPr>
-        <p:style>
-          <a:lnRef idx="2">
-            <a:schemeClr val="accent1">
-              <a:shade val="50000"/>
-            </a:schemeClr>
-          </a:lnRef>
-          <a:fillRef idx="1">
-            <a:schemeClr val="accent1"/>
-          </a:fillRef>
-          <a:effectRef idx="0">
-            <a:schemeClr val="accent1"/>
-          </a:effectRef>
-          <a:fontRef idx="minor">
-            <a:schemeClr val="lt1"/>
-          </a:fontRef>
-        </p:style>
-        <p:txBody>
-          <a:bodyPr rtlCol="0" anchor="ctr"/>
-          <a:lstStyle/>
-          <a:p>
-            <a:pPr algn="ctr"/>
-            <a:endParaRPr lang="en-CA"/>
-          </a:p>
-        </p:txBody>
-      </p:sp>
-      <p:sp>
-        <p:nvSpPr>
-          <p:cNvPr id="44" name="TextBox 43">
-            <a:extLst>
-              <a:ext uri="{FF2B5EF4-FFF2-40B4-BE49-F238E27FC236}">
-                <a16:creationId xmlns:a16="http://schemas.microsoft.com/office/drawing/2014/main" id="{66706529-93DB-4202-BB6B-28DA7EF9DABE}"/>
+          <p:cNvPr id="73" name="TextBox 72">
+            <a:extLst>
+              <a:ext uri="{FF2B5EF4-FFF2-40B4-BE49-F238E27FC236}">
+                <a16:creationId xmlns:a16="http://schemas.microsoft.com/office/drawing/2014/main" id="{01BEF970-018D-494A-9A32-4910AC0AE814}"/>
               </a:ext>
             </a:extLst>
           </p:cNvPr>
@@ -4566,8 +4451,8 @@
         </p:nvSpPr>
         <p:spPr>
           <a:xfrm>
-            <a:off x="4134585" y="962236"/>
-            <a:ext cx="3841629" cy="369332"/>
+            <a:off x="9405571" y="5151184"/>
+            <a:ext cx="2588209" cy="307777"/>
           </a:xfrm>
           <a:prstGeom prst="rect">
             <a:avLst/>
@@ -4581,75 +4466,135 @@
           <a:lstStyle/>
           <a:p>
             <a:r>
-              <a:rPr lang="en-CA" i="1" dirty="0">
-                <a:solidFill>
-                  <a:srgbClr val="FF0000"/>
-                </a:solidFill>
-              </a:rPr>
-              <a:t>Weak link: broken if laptop goes offline</a:t>
-            </a:r>
-          </a:p>
-        </p:txBody>
-      </p:sp>
-      <p:sp>
-        <p:nvSpPr>
-          <p:cNvPr id="60" name="TextBox 59">
-            <a:extLst>
-              <a:ext uri="{FF2B5EF4-FFF2-40B4-BE49-F238E27FC236}">
-                <a16:creationId xmlns:a16="http://schemas.microsoft.com/office/drawing/2014/main" id="{82ADDA49-3ADD-4036-B47C-C4FCB9A76C8F}"/>
-              </a:ext>
-            </a:extLst>
-          </p:cNvPr>
-          <p:cNvSpPr txBox="1"/>
+              <a:rPr lang="en-CA" sz="1400" b="1"/>
+              <a:t>Web page displayed in Webview</a:t>
+            </a:r>
+            <a:endParaRPr lang="en-CA" sz="1400" b="1" dirty="0"/>
+          </a:p>
+        </p:txBody>
+      </p:sp>
+      <p:pic>
+        <p:nvPicPr>
+          <p:cNvPr id="16" name="Picture 15">
+            <a:extLst>
+              <a:ext uri="{FF2B5EF4-FFF2-40B4-BE49-F238E27FC236}">
+                <a16:creationId xmlns:a16="http://schemas.microsoft.com/office/drawing/2014/main" id="{75837359-BF43-4EC0-92DE-1C4245BB9421}"/>
+              </a:ext>
+            </a:extLst>
+          </p:cNvPr>
+          <p:cNvPicPr>
+            <a:picLocks noChangeAspect="1"/>
+          </p:cNvPicPr>
           <p:nvPr/>
-        </p:nvSpPr>
-        <p:spPr>
-          <a:xfrm>
-            <a:off x="6769786" y="5569335"/>
-            <a:ext cx="2412855" cy="923330"/>
+        </p:nvPicPr>
+        <p:blipFill>
+          <a:blip r:embed="rId6">
+            <a:extLst>
+              <a:ext uri="{28A0092B-C50C-407E-A947-70E740481C1C}">
+                <a14:useLocalDpi xmlns:a14="http://schemas.microsoft.com/office/drawing/2010/main" val="0"/>
+              </a:ext>
+            </a:extLst>
+          </a:blip>
+          <a:stretch>
+            <a:fillRect/>
+          </a:stretch>
+        </p:blipFill>
+        <p:spPr>
+          <a:xfrm>
+            <a:off x="8491688" y="1008570"/>
+            <a:ext cx="490034" cy="631104"/>
           </a:xfrm>
           <a:prstGeom prst="rect">
             <a:avLst/>
           </a:prstGeom>
-          <a:noFill/>
-        </p:spPr>
-        <p:txBody>
-          <a:bodyPr wrap="square" rtlCol="0">
-            <a:spAutoFit/>
-          </a:bodyPr>
-          <a:lstStyle/>
-          <a:p>
-            <a:r>
-              <a:rPr lang="en-CA" i="1" dirty="0">
-                <a:solidFill>
-                  <a:srgbClr val="FF0000"/>
-                </a:solidFill>
-              </a:rPr>
-              <a:t>Weak link: broken if Webhook to </a:t>
-            </a:r>
-            <a:r>
-              <a:rPr lang="en-CA" i="1" dirty="0" err="1">
-                <a:solidFill>
-                  <a:srgbClr val="FF0000"/>
-                </a:solidFill>
-              </a:rPr>
-              <a:t>ngrok</a:t>
-            </a:r>
-            <a:r>
-              <a:rPr lang="en-CA" i="1" dirty="0">
-                <a:solidFill>
-                  <a:srgbClr val="FF0000"/>
-                </a:solidFill>
-              </a:rPr>
-              <a:t> public URL lost</a:t>
-            </a:r>
-          </a:p>
-        </p:txBody>
-      </p:sp>
+        </p:spPr>
+      </p:pic>
+      <p:pic>
+        <p:nvPicPr>
+          <p:cNvPr id="3" name="Picture 2">
+            <a:extLst>
+              <a:ext uri="{FF2B5EF4-FFF2-40B4-BE49-F238E27FC236}">
+                <a16:creationId xmlns:a16="http://schemas.microsoft.com/office/drawing/2014/main" id="{66F15CC3-6B3F-4304-9154-9C4A04C64B63}"/>
+              </a:ext>
+            </a:extLst>
+          </p:cNvPr>
+          <p:cNvPicPr>
+            <a:picLocks noChangeAspect="1"/>
+          </p:cNvPicPr>
+          <p:nvPr/>
+        </p:nvPicPr>
+        <p:blipFill>
+          <a:blip r:embed="rId7">
+            <a:extLst>
+              <a:ext uri="{28A0092B-C50C-407E-A947-70E740481C1C}">
+                <a14:useLocalDpi xmlns:a14="http://schemas.microsoft.com/office/drawing/2010/main" val="0"/>
+              </a:ext>
+            </a:extLst>
+          </a:blip>
+          <a:stretch>
+            <a:fillRect/>
+          </a:stretch>
+        </p:blipFill>
+        <p:spPr>
+          <a:xfrm>
+            <a:off x="5061245" y="663152"/>
+            <a:ext cx="2472119" cy="4394879"/>
+          </a:xfrm>
+          <a:prstGeom prst="rect">
+            <a:avLst/>
+          </a:prstGeom>
+          <a:ln>
+            <a:solidFill>
+              <a:schemeClr val="tx1"/>
+            </a:solidFill>
+          </a:ln>
+        </p:spPr>
+      </p:pic>
+      <p:pic>
+        <p:nvPicPr>
+          <p:cNvPr id="6" name="Picture 5">
+            <a:extLst>
+              <a:ext uri="{FF2B5EF4-FFF2-40B4-BE49-F238E27FC236}">
+                <a16:creationId xmlns:a16="http://schemas.microsoft.com/office/drawing/2014/main" id="{78F3D92A-8B92-4982-8529-2694B16671B8}"/>
+              </a:ext>
+            </a:extLst>
+          </p:cNvPr>
+          <p:cNvPicPr>
+            <a:picLocks noChangeAspect="1"/>
+          </p:cNvPicPr>
+          <p:nvPr/>
+        </p:nvPicPr>
+        <p:blipFill>
+          <a:blip r:embed="rId8">
+            <a:extLst>
+              <a:ext uri="{28A0092B-C50C-407E-A947-70E740481C1C}">
+                <a14:useLocalDpi xmlns:a14="http://schemas.microsoft.com/office/drawing/2010/main" val="0"/>
+              </a:ext>
+            </a:extLst>
+          </a:blip>
+          <a:stretch>
+            <a:fillRect/>
+          </a:stretch>
+        </p:blipFill>
+        <p:spPr>
+          <a:xfrm>
+            <a:off x="9422168" y="699900"/>
+            <a:ext cx="2472621" cy="4395769"/>
+          </a:xfrm>
+          <a:prstGeom prst="rect">
+            <a:avLst/>
+          </a:prstGeom>
+          <a:ln>
+            <a:solidFill>
+              <a:schemeClr val="tx1"/>
+            </a:solidFill>
+          </a:ln>
+        </p:spPr>
+      </p:pic>
     </p:spTree>
     <p:extLst>
       <p:ext uri="{BB962C8B-B14F-4D97-AF65-F5344CB8AC3E}">
-        <p14:creationId xmlns:p14="http://schemas.microsoft.com/office/powerpoint/2010/main" val="2571642398"/>
+        <p14:creationId xmlns:p14="http://schemas.microsoft.com/office/powerpoint/2010/main" val="343890127"/>
       </p:ext>
     </p:extLst>
   </p:cSld>
@@ -4691,7 +4636,7 @@
         <p:spPr>
           <a:xfrm>
             <a:off x="196753" y="40478"/>
-            <a:ext cx="2403158" cy="276999"/>
+            <a:ext cx="3070008" cy="276999"/>
           </a:xfrm>
           <a:prstGeom prst="rect">
             <a:avLst/>
@@ -4706,7 +4651,7 @@
           <a:p>
             <a:r>
               <a:rPr lang="en-CA" sz="1200" b="1"/>
-              <a:t>Architecture Feb 2020 blog version</a:t>
+              <a:t>Architecture Feb 2020 blog version simplified</a:t>
             </a:r>
             <a:endParaRPr lang="en-CA" sz="1200" b="1" dirty="0"/>
           </a:p>
@@ -4832,8 +4777,8 @@
         </p:nvSpPr>
         <p:spPr>
           <a:xfrm>
-            <a:off x="21573" y="2777077"/>
-            <a:ext cx="1772047" cy="523220"/>
+            <a:off x="1635723" y="596324"/>
+            <a:ext cx="1293315" cy="523220"/>
           </a:xfrm>
           <a:prstGeom prst="rect">
             <a:avLst/>
@@ -4924,120 +4869,12 @@
           </a:p>
         </p:txBody>
       </p:sp>
-      <p:pic>
-        <p:nvPicPr>
-          <p:cNvPr id="40" name="Picture 39">
-            <a:extLst>
-              <a:ext uri="{FF2B5EF4-FFF2-40B4-BE49-F238E27FC236}">
-                <a16:creationId xmlns:a16="http://schemas.microsoft.com/office/drawing/2014/main" id="{C2198947-0563-46A9-BAFC-1778B13FAD57}"/>
-              </a:ext>
-            </a:extLst>
-          </p:cNvPr>
-          <p:cNvPicPr>
-            <a:picLocks noChangeAspect="1"/>
-          </p:cNvPicPr>
-          <p:nvPr/>
-        </p:nvPicPr>
-        <p:blipFill>
-          <a:blip r:embed="rId2">
-            <a:extLst>
-              <a:ext uri="{28A0092B-C50C-407E-A947-70E740481C1C}">
-                <a14:useLocalDpi xmlns:a14="http://schemas.microsoft.com/office/drawing/2010/main" val="0"/>
-              </a:ext>
-            </a:extLst>
-          </a:blip>
-          <a:stretch>
-            <a:fillRect/>
-          </a:stretch>
-        </p:blipFill>
-        <p:spPr>
-          <a:xfrm>
-            <a:off x="222747" y="4107637"/>
-            <a:ext cx="916823" cy="444175"/>
-          </a:xfrm>
-          <a:prstGeom prst="rect">
-            <a:avLst/>
-          </a:prstGeom>
-        </p:spPr>
-      </p:pic>
-      <p:pic>
-        <p:nvPicPr>
-          <p:cNvPr id="41" name="Picture 40">
-            <a:extLst>
-              <a:ext uri="{FF2B5EF4-FFF2-40B4-BE49-F238E27FC236}">
-                <a16:creationId xmlns:a16="http://schemas.microsoft.com/office/drawing/2014/main" id="{77039D5B-80BA-43AD-9399-D6C36C33C3ED}"/>
-              </a:ext>
-            </a:extLst>
-          </p:cNvPr>
-          <p:cNvPicPr>
-            <a:picLocks noChangeAspect="1"/>
-          </p:cNvPicPr>
-          <p:nvPr/>
-        </p:nvPicPr>
-        <p:blipFill>
-          <a:blip r:embed="rId2">
-            <a:extLst>
-              <a:ext uri="{28A0092B-C50C-407E-A947-70E740481C1C}">
-                <a14:useLocalDpi xmlns:a14="http://schemas.microsoft.com/office/drawing/2010/main" val="0"/>
-              </a:ext>
-            </a:extLst>
-          </a:blip>
-          <a:stretch>
-            <a:fillRect/>
-          </a:stretch>
-        </p:blipFill>
-        <p:spPr>
-          <a:xfrm>
-            <a:off x="375147" y="4260037"/>
-            <a:ext cx="916823" cy="444175"/>
-          </a:xfrm>
-          <a:prstGeom prst="rect">
-            <a:avLst/>
-          </a:prstGeom>
-        </p:spPr>
-      </p:pic>
-      <p:pic>
-        <p:nvPicPr>
-          <p:cNvPr id="42" name="Picture 41">
-            <a:extLst>
-              <a:ext uri="{FF2B5EF4-FFF2-40B4-BE49-F238E27FC236}">
-                <a16:creationId xmlns:a16="http://schemas.microsoft.com/office/drawing/2014/main" id="{9F093F81-D920-4BB1-A3C8-DAFFDC57152B}"/>
-              </a:ext>
-            </a:extLst>
-          </p:cNvPr>
-          <p:cNvPicPr>
-            <a:picLocks noChangeAspect="1"/>
-          </p:cNvPicPr>
-          <p:nvPr/>
-        </p:nvPicPr>
-        <p:blipFill>
-          <a:blip r:embed="rId2">
-            <a:extLst>
-              <a:ext uri="{28A0092B-C50C-407E-A947-70E740481C1C}">
-                <a14:useLocalDpi xmlns:a14="http://schemas.microsoft.com/office/drawing/2010/main" val="0"/>
-              </a:ext>
-            </a:extLst>
-          </a:blip>
-          <a:stretch>
-            <a:fillRect/>
-          </a:stretch>
-        </p:blipFill>
-        <p:spPr>
-          <a:xfrm>
-            <a:off x="640857" y="4421890"/>
-            <a:ext cx="916823" cy="444175"/>
-          </a:xfrm>
-          <a:prstGeom prst="rect">
-            <a:avLst/>
-          </a:prstGeom>
-        </p:spPr>
-      </p:pic>
-      <p:sp>
-        <p:nvSpPr>
-          <p:cNvPr id="43" name="TextBox 42">
-            <a:extLst>
-              <a:ext uri="{FF2B5EF4-FFF2-40B4-BE49-F238E27FC236}">
-                <a16:creationId xmlns:a16="http://schemas.microsoft.com/office/drawing/2014/main" id="{05F4E2FF-364D-4F46-8421-E23D7828FBEC}"/>
+      <p:sp>
+        <p:nvSpPr>
+          <p:cNvPr id="56" name="TextBox 55">
+            <a:extLst>
+              <a:ext uri="{FF2B5EF4-FFF2-40B4-BE49-F238E27FC236}">
+                <a16:creationId xmlns:a16="http://schemas.microsoft.com/office/drawing/2014/main" id="{0C33F7D8-42B2-44CA-8F52-67F69AD8CE5A}"/>
               </a:ext>
             </a:extLst>
           </p:cNvPr>
@@ -5046,8 +4883,8 @@
         </p:nvSpPr>
         <p:spPr>
           <a:xfrm>
-            <a:off x="-10698" y="4688562"/>
-            <a:ext cx="1119217" cy="307777"/>
+            <a:off x="2027236" y="1998144"/>
+            <a:ext cx="1705616" cy="523220"/>
           </a:xfrm>
           <a:prstGeom prst="rect">
             <a:avLst/>
@@ -5055,24 +4892,28 @@
           <a:noFill/>
         </p:spPr>
         <p:txBody>
-          <a:bodyPr wrap="none" rtlCol="0">
+          <a:bodyPr wrap="square" rtlCol="0">
             <a:spAutoFit/>
           </a:bodyPr>
           <a:lstStyle/>
           <a:p>
             <a:r>
-              <a:rPr lang="en-CA" sz="1400" b="1" dirty="0"/>
-              <a:t>Rasa models</a:t>
-            </a:r>
-          </a:p>
-        </p:txBody>
-      </p:sp>
-      <p:sp>
-        <p:nvSpPr>
-          <p:cNvPr id="50" name="Arrow: Left-Right 49">
-            <a:extLst>
-              <a:ext uri="{FF2B5EF4-FFF2-40B4-BE49-F238E27FC236}">
-                <a16:creationId xmlns:a16="http://schemas.microsoft.com/office/drawing/2014/main" id="{F23AC488-397C-422F-895A-A810C9F1465E}"/>
+              <a:rPr lang="en-CA" sz="1400" b="1" i="1"/>
+              <a:t>Actions </a:t>
+            </a:r>
+            <a:r>
+              <a:rPr lang="en-CA" sz="1400" b="1" i="1" dirty="0"/>
+              <a:t>&amp; slot values</a:t>
+            </a:r>
+          </a:p>
+        </p:txBody>
+      </p:sp>
+      <p:sp>
+        <p:nvSpPr>
+          <p:cNvPr id="54" name="Arrow: Left-Right 53">
+            <a:extLst>
+              <a:ext uri="{FF2B5EF4-FFF2-40B4-BE49-F238E27FC236}">
+                <a16:creationId xmlns:a16="http://schemas.microsoft.com/office/drawing/2014/main" id="{1612E2DA-2A7D-49E9-BDA2-F8FE24EF9512}"/>
               </a:ext>
             </a:extLst>
           </p:cNvPr>
@@ -5080,9 +4921,9 @@
           <p:nvPr/>
         </p:nvSpPr>
         <p:spPr>
-          <a:xfrm rot="1110392">
-            <a:off x="1020442" y="2563400"/>
-            <a:ext cx="741795" cy="222408"/>
+          <a:xfrm>
+            <a:off x="3206482" y="3037589"/>
+            <a:ext cx="1826971" cy="241871"/>
           </a:xfrm>
           <a:prstGeom prst="leftRightArrow">
             <a:avLst/>
@@ -5115,10 +4956,190 @@
       </p:sp>
       <p:sp>
         <p:nvSpPr>
-          <p:cNvPr id="52" name="Arrow: Left-Right 51">
-            <a:extLst>
-              <a:ext uri="{FF2B5EF4-FFF2-40B4-BE49-F238E27FC236}">
-                <a16:creationId xmlns:a16="http://schemas.microsoft.com/office/drawing/2014/main" id="{A7596941-6DF2-439C-8C9D-3F44C22C3708}"/>
+          <p:cNvPr id="63" name="TextBox 62">
+            <a:extLst>
+              <a:ext uri="{FF2B5EF4-FFF2-40B4-BE49-F238E27FC236}">
+                <a16:creationId xmlns:a16="http://schemas.microsoft.com/office/drawing/2014/main" id="{85794D0B-233F-46B1-B1DC-92434B2ADAC2}"/>
+              </a:ext>
+            </a:extLst>
+          </p:cNvPr>
+          <p:cNvSpPr txBox="1"/>
+          <p:nvPr/>
+        </p:nvSpPr>
+        <p:spPr>
+          <a:xfrm>
+            <a:off x="7714096" y="694670"/>
+            <a:ext cx="1439167" cy="307777"/>
+          </a:xfrm>
+          <a:prstGeom prst="rect">
+            <a:avLst/>
+          </a:prstGeom>
+          <a:noFill/>
+        </p:spPr>
+        <p:txBody>
+          <a:bodyPr wrap="square" rtlCol="0">
+            <a:spAutoFit/>
+          </a:bodyPr>
+          <a:lstStyle/>
+          <a:p>
+            <a:r>
+              <a:rPr lang="en-CA" sz="1400" b="1"/>
+              <a:t>Flask web server</a:t>
+            </a:r>
+            <a:endParaRPr lang="en-CA" sz="1400" b="1" dirty="0"/>
+          </a:p>
+        </p:txBody>
+      </p:sp>
+      <p:pic>
+        <p:nvPicPr>
+          <p:cNvPr id="62" name="Picture 61">
+            <a:extLst>
+              <a:ext uri="{FF2B5EF4-FFF2-40B4-BE49-F238E27FC236}">
+                <a16:creationId xmlns:a16="http://schemas.microsoft.com/office/drawing/2014/main" id="{CCD3D13B-7BF0-4E69-95C8-CC65CA38172D}"/>
+              </a:ext>
+            </a:extLst>
+          </p:cNvPr>
+          <p:cNvPicPr>
+            <a:picLocks noChangeAspect="1"/>
+          </p:cNvPicPr>
+          <p:nvPr/>
+        </p:nvPicPr>
+        <p:blipFill>
+          <a:blip r:embed="rId4">
+            <a:extLst>
+              <a:ext uri="{28A0092B-C50C-407E-A947-70E740481C1C}">
+                <a14:useLocalDpi xmlns:a14="http://schemas.microsoft.com/office/drawing/2010/main" val="0"/>
+              </a:ext>
+            </a:extLst>
+          </a:blip>
+          <a:stretch>
+            <a:fillRect/>
+          </a:stretch>
+        </p:blipFill>
+        <p:spPr>
+          <a:xfrm>
+            <a:off x="7845270" y="1080358"/>
+            <a:ext cx="593396" cy="593396"/>
+          </a:xfrm>
+          <a:prstGeom prst="rect">
+            <a:avLst/>
+          </a:prstGeom>
+        </p:spPr>
+      </p:pic>
+      <p:pic>
+        <p:nvPicPr>
+          <p:cNvPr id="67" name="Picture 66">
+            <a:extLst>
+              <a:ext uri="{FF2B5EF4-FFF2-40B4-BE49-F238E27FC236}">
+                <a16:creationId xmlns:a16="http://schemas.microsoft.com/office/drawing/2014/main" id="{AD875248-9D29-4BF3-B342-90D4514B0D9C}"/>
+              </a:ext>
+            </a:extLst>
+          </p:cNvPr>
+          <p:cNvPicPr>
+            <a:picLocks noChangeAspect="1"/>
+          </p:cNvPicPr>
+          <p:nvPr/>
+        </p:nvPicPr>
+        <p:blipFill>
+          <a:blip r:embed="rId4">
+            <a:extLst>
+              <a:ext uri="{28A0092B-C50C-407E-A947-70E740481C1C}">
+                <a14:useLocalDpi xmlns:a14="http://schemas.microsoft.com/office/drawing/2010/main" val="0"/>
+              </a:ext>
+            </a:extLst>
+          </a:blip>
+          <a:stretch>
+            <a:fillRect/>
+          </a:stretch>
+        </p:blipFill>
+        <p:spPr>
+          <a:xfrm>
+            <a:off x="1702717" y="1080358"/>
+            <a:ext cx="593396" cy="593396"/>
+          </a:xfrm>
+          <a:prstGeom prst="rect">
+            <a:avLst/>
+          </a:prstGeom>
+        </p:spPr>
+      </p:pic>
+      <p:pic>
+        <p:nvPicPr>
+          <p:cNvPr id="10" name="Picture 9">
+            <a:extLst>
+              <a:ext uri="{FF2B5EF4-FFF2-40B4-BE49-F238E27FC236}">
+                <a16:creationId xmlns:a16="http://schemas.microsoft.com/office/drawing/2014/main" id="{C9ECC397-7A35-4262-A06A-D12899FE03D3}"/>
+              </a:ext>
+            </a:extLst>
+          </p:cNvPr>
+          <p:cNvPicPr>
+            <a:picLocks noChangeAspect="1"/>
+          </p:cNvPicPr>
+          <p:nvPr/>
+        </p:nvPicPr>
+        <p:blipFill>
+          <a:blip r:embed="rId5">
+            <a:extLst>
+              <a:ext uri="{28A0092B-C50C-407E-A947-70E740481C1C}">
+                <a14:useLocalDpi xmlns:a14="http://schemas.microsoft.com/office/drawing/2010/main" val="0"/>
+              </a:ext>
+            </a:extLst>
+          </a:blip>
+          <a:stretch>
+            <a:fillRect/>
+          </a:stretch>
+        </p:blipFill>
+        <p:spPr>
+          <a:xfrm>
+            <a:off x="3538281" y="2834248"/>
+            <a:ext cx="1051839" cy="631104"/>
+          </a:xfrm>
+          <a:prstGeom prst="rect">
+            <a:avLst/>
+          </a:prstGeom>
+        </p:spPr>
+      </p:pic>
+      <p:sp>
+        <p:nvSpPr>
+          <p:cNvPr id="57" name="TextBox 56">
+            <a:extLst>
+              <a:ext uri="{FF2B5EF4-FFF2-40B4-BE49-F238E27FC236}">
+                <a16:creationId xmlns:a16="http://schemas.microsoft.com/office/drawing/2014/main" id="{B9B7564A-1E66-4D47-8169-D767830A8AA2}"/>
+              </a:ext>
+            </a:extLst>
+          </p:cNvPr>
+          <p:cNvSpPr txBox="1"/>
+          <p:nvPr/>
+        </p:nvSpPr>
+        <p:spPr>
+          <a:xfrm>
+            <a:off x="3403114" y="3297713"/>
+            <a:ext cx="1279341" cy="307777"/>
+          </a:xfrm>
+          <a:prstGeom prst="rect">
+            <a:avLst/>
+          </a:prstGeom>
+          <a:noFill/>
+        </p:spPr>
+        <p:txBody>
+          <a:bodyPr wrap="square" rtlCol="0">
+            <a:spAutoFit/>
+          </a:bodyPr>
+          <a:lstStyle/>
+          <a:p>
+            <a:r>
+              <a:rPr lang="en-CA" sz="1400" b="1" i="1"/>
+              <a:t>Rasa / FM link</a:t>
+            </a:r>
+            <a:endParaRPr lang="en-CA" sz="1400" b="1" i="1" dirty="0"/>
+          </a:p>
+        </p:txBody>
+      </p:sp>
+      <p:sp>
+        <p:nvSpPr>
+          <p:cNvPr id="68" name="Arrow: Left-Right 67">
+            <a:extLst>
+              <a:ext uri="{FF2B5EF4-FFF2-40B4-BE49-F238E27FC236}">
+                <a16:creationId xmlns:a16="http://schemas.microsoft.com/office/drawing/2014/main" id="{19FFB9DC-238C-4134-A00E-8F99075F4223}"/>
               </a:ext>
             </a:extLst>
           </p:cNvPr>
@@ -5126,9 +5147,9 @@
           <p:nvPr/>
         </p:nvSpPr>
         <p:spPr>
-          <a:xfrm rot="8998235">
-            <a:off x="1039551" y="3708412"/>
-            <a:ext cx="674862" cy="204909"/>
+          <a:xfrm rot="16200000">
+            <a:off x="3377481" y="2286820"/>
+            <a:ext cx="1186327" cy="177512"/>
           </a:xfrm>
           <a:prstGeom prst="leftRightArrow">
             <a:avLst/>
@@ -5161,166 +5182,10 @@
       </p:sp>
       <p:sp>
         <p:nvSpPr>
-          <p:cNvPr id="53" name="TextBox 52">
-            <a:extLst>
-              <a:ext uri="{FF2B5EF4-FFF2-40B4-BE49-F238E27FC236}">
-                <a16:creationId xmlns:a16="http://schemas.microsoft.com/office/drawing/2014/main" id="{140CEF5B-5439-4EBE-9AA6-246CB212740E}"/>
-              </a:ext>
-            </a:extLst>
-          </p:cNvPr>
-          <p:cNvSpPr txBox="1"/>
-          <p:nvPr/>
-        </p:nvSpPr>
-        <p:spPr>
-          <a:xfrm rot="19842273">
-            <a:off x="878959" y="3204454"/>
-            <a:ext cx="1383713" cy="307777"/>
-          </a:xfrm>
-          <a:prstGeom prst="rect">
-            <a:avLst/>
-          </a:prstGeom>
-          <a:noFill/>
-        </p:spPr>
-        <p:txBody>
-          <a:bodyPr wrap="square" rtlCol="0">
-            <a:spAutoFit/>
-          </a:bodyPr>
-          <a:lstStyle/>
-          <a:p>
-            <a:r>
-              <a:rPr lang="en-CA" sz="1400" b="1" i="1" dirty="0"/>
-              <a:t>Models</a:t>
-            </a:r>
-          </a:p>
-        </p:txBody>
-      </p:sp>
-      <p:sp>
-        <p:nvSpPr>
-          <p:cNvPr id="56" name="TextBox 55">
-            <a:extLst>
-              <a:ext uri="{FF2B5EF4-FFF2-40B4-BE49-F238E27FC236}">
-                <a16:creationId xmlns:a16="http://schemas.microsoft.com/office/drawing/2014/main" id="{0C33F7D8-42B2-44CA-8F52-67F69AD8CE5A}"/>
-              </a:ext>
-            </a:extLst>
-          </p:cNvPr>
-          <p:cNvSpPr txBox="1"/>
-          <p:nvPr/>
-        </p:nvSpPr>
-        <p:spPr>
-          <a:xfrm rot="1117605">
-            <a:off x="876244" y="2388256"/>
-            <a:ext cx="2189197" cy="307777"/>
-          </a:xfrm>
-          <a:prstGeom prst="rect">
-            <a:avLst/>
-          </a:prstGeom>
-          <a:noFill/>
-        </p:spPr>
-        <p:txBody>
-          <a:bodyPr wrap="square" rtlCol="0">
-            <a:spAutoFit/>
-          </a:bodyPr>
-          <a:lstStyle/>
-          <a:p>
-            <a:r>
-              <a:rPr lang="en-CA" sz="1400" b="1" i="1"/>
-              <a:t>Actions </a:t>
-            </a:r>
-            <a:r>
-              <a:rPr lang="en-CA" sz="1400" b="1" i="1" dirty="0"/>
-              <a:t>&amp; slot values</a:t>
-            </a:r>
-          </a:p>
-        </p:txBody>
-      </p:sp>
-      <p:pic>
-        <p:nvPicPr>
-          <p:cNvPr id="5" name="Picture 4">
-            <a:extLst>
-              <a:ext uri="{FF2B5EF4-FFF2-40B4-BE49-F238E27FC236}">
-                <a16:creationId xmlns:a16="http://schemas.microsoft.com/office/drawing/2014/main" id="{42531376-1E90-477B-A903-19EA9D91327D}"/>
-              </a:ext>
-            </a:extLst>
-          </p:cNvPr>
-          <p:cNvPicPr>
-            <a:picLocks noChangeAspect="1"/>
-          </p:cNvPicPr>
-          <p:nvPr/>
-        </p:nvPicPr>
-        <p:blipFill>
-          <a:blip r:embed="rId4">
-            <a:extLst>
-              <a:ext uri="{28A0092B-C50C-407E-A947-70E740481C1C}">
-                <a14:useLocalDpi xmlns:a14="http://schemas.microsoft.com/office/drawing/2010/main" val="0"/>
-              </a:ext>
-            </a:extLst>
-          </a:blip>
-          <a:stretch>
-            <a:fillRect/>
-          </a:stretch>
-        </p:blipFill>
-        <p:spPr>
-          <a:xfrm>
-            <a:off x="9463617" y="778365"/>
-            <a:ext cx="2472119" cy="4394878"/>
-          </a:xfrm>
-          <a:prstGeom prst="rect">
-            <a:avLst/>
-          </a:prstGeom>
-          <a:ln>
-            <a:solidFill>
-              <a:schemeClr val="accent1"/>
-            </a:solidFill>
-          </a:ln>
-        </p:spPr>
-      </p:pic>
-      <p:pic>
-        <p:nvPicPr>
-          <p:cNvPr id="7" name="Picture 6">
-            <a:extLst>
-              <a:ext uri="{FF2B5EF4-FFF2-40B4-BE49-F238E27FC236}">
-                <a16:creationId xmlns:a16="http://schemas.microsoft.com/office/drawing/2014/main" id="{04CE4A23-21F0-4161-8268-AB39062DD8A6}"/>
-              </a:ext>
-            </a:extLst>
-          </p:cNvPr>
-          <p:cNvPicPr>
-            <a:picLocks noChangeAspect="1"/>
-          </p:cNvPicPr>
-          <p:nvPr/>
-        </p:nvPicPr>
-        <p:blipFill>
-          <a:blip r:embed="rId5">
-            <a:extLst>
-              <a:ext uri="{28A0092B-C50C-407E-A947-70E740481C1C}">
-                <a14:useLocalDpi xmlns:a14="http://schemas.microsoft.com/office/drawing/2010/main" val="0"/>
-              </a:ext>
-            </a:extLst>
-          </a:blip>
-          <a:stretch>
-            <a:fillRect/>
-          </a:stretch>
-        </p:blipFill>
-        <p:spPr>
-          <a:xfrm>
-            <a:off x="5033454" y="790356"/>
-            <a:ext cx="2472119" cy="4394878"/>
-          </a:xfrm>
-          <a:prstGeom prst="rect">
-            <a:avLst/>
-          </a:prstGeom>
-          <a:ln>
-            <a:solidFill>
-              <a:prstClr val="ltGray"/>
-            </a:solidFill>
-          </a:ln>
-        </p:spPr>
-      </p:pic>
-      <p:sp>
-        <p:nvSpPr>
-          <p:cNvPr id="54" name="Arrow: Left-Right 53">
-            <a:extLst>
-              <a:ext uri="{FF2B5EF4-FFF2-40B4-BE49-F238E27FC236}">
-                <a16:creationId xmlns:a16="http://schemas.microsoft.com/office/drawing/2014/main" id="{1612E2DA-2A7D-49E9-BDA2-F8FE24EF9512}"/>
+          <p:cNvPr id="69" name="Arrow: Left-Right 68">
+            <a:extLst>
+              <a:ext uri="{FF2B5EF4-FFF2-40B4-BE49-F238E27FC236}">
+                <a16:creationId xmlns:a16="http://schemas.microsoft.com/office/drawing/2014/main" id="{9D8D1F09-08A9-40ED-B90D-4029208380C5}"/>
               </a:ext>
             </a:extLst>
           </p:cNvPr>
@@ -5329,7 +5194,7 @@
         </p:nvSpPr>
         <p:spPr>
           <a:xfrm>
-            <a:off x="3206482" y="3037589"/>
+            <a:off x="7543699" y="3037589"/>
             <a:ext cx="1826971" cy="241871"/>
           </a:xfrm>
           <a:prstGeom prst="leftRightArrow">
@@ -5361,48 +5226,12 @@
           </a:p>
         </p:txBody>
       </p:sp>
-      <p:sp>
-        <p:nvSpPr>
-          <p:cNvPr id="63" name="TextBox 62">
-            <a:extLst>
-              <a:ext uri="{FF2B5EF4-FFF2-40B4-BE49-F238E27FC236}">
-                <a16:creationId xmlns:a16="http://schemas.microsoft.com/office/drawing/2014/main" id="{85794D0B-233F-46B1-B1DC-92434B2ADAC2}"/>
-              </a:ext>
-            </a:extLst>
-          </p:cNvPr>
-          <p:cNvSpPr txBox="1"/>
-          <p:nvPr/>
-        </p:nvSpPr>
-        <p:spPr>
-          <a:xfrm>
-            <a:off x="7714096" y="694670"/>
-            <a:ext cx="1439167" cy="307777"/>
-          </a:xfrm>
-          <a:prstGeom prst="rect">
-            <a:avLst/>
-          </a:prstGeom>
-          <a:noFill/>
-        </p:spPr>
-        <p:txBody>
-          <a:bodyPr wrap="square" rtlCol="0">
-            <a:spAutoFit/>
-          </a:bodyPr>
-          <a:lstStyle/>
-          <a:p>
-            <a:r>
-              <a:rPr lang="en-CA" sz="1400" b="1"/>
-              <a:t>Flask web server</a:t>
-            </a:r>
-            <a:endParaRPr lang="en-CA" sz="1400" b="1" dirty="0"/>
-          </a:p>
-        </p:txBody>
-      </p:sp>
       <p:pic>
         <p:nvPicPr>
-          <p:cNvPr id="62" name="Picture 61">
-            <a:extLst>
-              <a:ext uri="{FF2B5EF4-FFF2-40B4-BE49-F238E27FC236}">
-                <a16:creationId xmlns:a16="http://schemas.microsoft.com/office/drawing/2014/main" id="{CCD3D13B-7BF0-4E69-95C8-CC65CA38172D}"/>
+          <p:cNvPr id="70" name="Picture 69">
+            <a:extLst>
+              <a:ext uri="{FF2B5EF4-FFF2-40B4-BE49-F238E27FC236}">
+                <a16:creationId xmlns:a16="http://schemas.microsoft.com/office/drawing/2014/main" id="{556120BA-2181-4AC1-9CAB-D3D7241C5AD2}"/>
               </a:ext>
             </a:extLst>
           </p:cNvPr>
@@ -5412,7 +5241,7 @@
           <p:nvPr/>
         </p:nvPicPr>
         <p:blipFill>
-          <a:blip r:embed="rId6">
+          <a:blip r:embed="rId5">
             <a:extLst>
               <a:ext uri="{28A0092B-C50C-407E-A947-70E740481C1C}">
                 <a14:useLocalDpi xmlns:a14="http://schemas.microsoft.com/office/drawing/2010/main" val="0"/>
@@ -5425,92 +5254,20 @@
         </p:blipFill>
         <p:spPr>
           <a:xfrm>
-            <a:off x="7845270" y="1080358"/>
-            <a:ext cx="593396" cy="593396"/>
+            <a:off x="7875498" y="2834248"/>
+            <a:ext cx="1051839" cy="631104"/>
           </a:xfrm>
           <a:prstGeom prst="rect">
             <a:avLst/>
           </a:prstGeom>
         </p:spPr>
       </p:pic>
-      <p:pic>
-        <p:nvPicPr>
-          <p:cNvPr id="67" name="Picture 66">
-            <a:extLst>
-              <a:ext uri="{FF2B5EF4-FFF2-40B4-BE49-F238E27FC236}">
-                <a16:creationId xmlns:a16="http://schemas.microsoft.com/office/drawing/2014/main" id="{AD875248-9D29-4BF3-B342-90D4514B0D9C}"/>
-              </a:ext>
-            </a:extLst>
-          </p:cNvPr>
-          <p:cNvPicPr>
-            <a:picLocks noChangeAspect="1"/>
-          </p:cNvPicPr>
-          <p:nvPr/>
-        </p:nvPicPr>
-        <p:blipFill>
-          <a:blip r:embed="rId6">
-            <a:extLst>
-              <a:ext uri="{28A0092B-C50C-407E-A947-70E740481C1C}">
-                <a14:useLocalDpi xmlns:a14="http://schemas.microsoft.com/office/drawing/2010/main" val="0"/>
-              </a:ext>
-            </a:extLst>
-          </a:blip>
-          <a:stretch>
-            <a:fillRect/>
-          </a:stretch>
-        </p:blipFill>
-        <p:spPr>
-          <a:xfrm>
-            <a:off x="224412" y="2092442"/>
-            <a:ext cx="593396" cy="593396"/>
-          </a:xfrm>
-          <a:prstGeom prst="rect">
-            <a:avLst/>
-          </a:prstGeom>
-        </p:spPr>
-      </p:pic>
-      <p:pic>
-        <p:nvPicPr>
-          <p:cNvPr id="10" name="Picture 9">
-            <a:extLst>
-              <a:ext uri="{FF2B5EF4-FFF2-40B4-BE49-F238E27FC236}">
-                <a16:creationId xmlns:a16="http://schemas.microsoft.com/office/drawing/2014/main" id="{C9ECC397-7A35-4262-A06A-D12899FE03D3}"/>
-              </a:ext>
-            </a:extLst>
-          </p:cNvPr>
-          <p:cNvPicPr>
-            <a:picLocks noChangeAspect="1"/>
-          </p:cNvPicPr>
-          <p:nvPr/>
-        </p:nvPicPr>
-        <p:blipFill>
-          <a:blip r:embed="rId7">
-            <a:extLst>
-              <a:ext uri="{28A0092B-C50C-407E-A947-70E740481C1C}">
-                <a14:useLocalDpi xmlns:a14="http://schemas.microsoft.com/office/drawing/2010/main" val="0"/>
-              </a:ext>
-            </a:extLst>
-          </a:blip>
-          <a:stretch>
-            <a:fillRect/>
-          </a:stretch>
-        </p:blipFill>
-        <p:spPr>
-          <a:xfrm>
-            <a:off x="3538281" y="2834248"/>
-            <a:ext cx="1051839" cy="631104"/>
-          </a:xfrm>
-          <a:prstGeom prst="rect">
-            <a:avLst/>
-          </a:prstGeom>
-        </p:spPr>
-      </p:pic>
-      <p:sp>
-        <p:nvSpPr>
-          <p:cNvPr id="57" name="TextBox 56">
-            <a:extLst>
-              <a:ext uri="{FF2B5EF4-FFF2-40B4-BE49-F238E27FC236}">
-                <a16:creationId xmlns:a16="http://schemas.microsoft.com/office/drawing/2014/main" id="{B9B7564A-1E66-4D47-8169-D767830A8AA2}"/>
+      <p:sp>
+        <p:nvSpPr>
+          <p:cNvPr id="71" name="TextBox 70">
+            <a:extLst>
+              <a:ext uri="{FF2B5EF4-FFF2-40B4-BE49-F238E27FC236}">
+                <a16:creationId xmlns:a16="http://schemas.microsoft.com/office/drawing/2014/main" id="{26106624-6AAC-4564-8E95-67B39E61DCFA}"/>
               </a:ext>
             </a:extLst>
           </p:cNvPr>
@@ -5519,8 +5276,8 @@
         </p:nvSpPr>
         <p:spPr>
           <a:xfrm>
-            <a:off x="3403114" y="3297713"/>
-            <a:ext cx="1279341" cy="307777"/>
+            <a:off x="7740331" y="3297713"/>
+            <a:ext cx="1279341" cy="523220"/>
           </a:xfrm>
           <a:prstGeom prst="rect">
             <a:avLst/>
@@ -5535,7 +5292,7 @@
           <a:p>
             <a:r>
               <a:rPr lang="en-CA" sz="1400" b="1" i="1"/>
-              <a:t>Rasa / FM link</a:t>
+              <a:t>Webview / FM link</a:t>
             </a:r>
             <a:endParaRPr lang="en-CA" sz="1400" b="1" i="1" dirty="0"/>
           </a:p>
@@ -5543,10 +5300,10 @@
       </p:sp>
       <p:sp>
         <p:nvSpPr>
-          <p:cNvPr id="68" name="Arrow: Left-Right 67">
-            <a:extLst>
-              <a:ext uri="{FF2B5EF4-FFF2-40B4-BE49-F238E27FC236}">
-                <a16:creationId xmlns:a16="http://schemas.microsoft.com/office/drawing/2014/main" id="{19FFB9DC-238C-4134-A00E-8F99075F4223}"/>
+          <p:cNvPr id="72" name="Arrow: Left-Right 71">
+            <a:extLst>
+              <a:ext uri="{FF2B5EF4-FFF2-40B4-BE49-F238E27FC236}">
+                <a16:creationId xmlns:a16="http://schemas.microsoft.com/office/drawing/2014/main" id="{F1F0664F-9939-4251-992C-1CACB83A0DF4}"/>
               </a:ext>
             </a:extLst>
           </p:cNvPr>
@@ -5555,7 +5312,7 @@
         </p:nvSpPr>
         <p:spPr>
           <a:xfrm rot="16200000">
-            <a:off x="3377481" y="2286820"/>
+            <a:off x="7775265" y="2253999"/>
             <a:ext cx="1186327" cy="177512"/>
           </a:xfrm>
           <a:prstGeom prst="leftRightArrow">
@@ -5589,10 +5346,123 @@
       </p:sp>
       <p:sp>
         <p:nvSpPr>
-          <p:cNvPr id="69" name="Arrow: Left-Right 68">
-            <a:extLst>
-              <a:ext uri="{FF2B5EF4-FFF2-40B4-BE49-F238E27FC236}">
-                <a16:creationId xmlns:a16="http://schemas.microsoft.com/office/drawing/2014/main" id="{9D8D1F09-08A9-40ED-B90D-4029208380C5}"/>
+          <p:cNvPr id="73" name="TextBox 72">
+            <a:extLst>
+              <a:ext uri="{FF2B5EF4-FFF2-40B4-BE49-F238E27FC236}">
+                <a16:creationId xmlns:a16="http://schemas.microsoft.com/office/drawing/2014/main" id="{01BEF970-018D-494A-9A32-4910AC0AE814}"/>
+              </a:ext>
+            </a:extLst>
+          </p:cNvPr>
+          <p:cNvSpPr txBox="1"/>
+          <p:nvPr/>
+        </p:nvSpPr>
+        <p:spPr>
+          <a:xfrm>
+            <a:off x="9405571" y="5151184"/>
+            <a:ext cx="2588209" cy="307777"/>
+          </a:xfrm>
+          <a:prstGeom prst="rect">
+            <a:avLst/>
+          </a:prstGeom>
+          <a:noFill/>
+        </p:spPr>
+        <p:txBody>
+          <a:bodyPr wrap="none" rtlCol="0">
+            <a:spAutoFit/>
+          </a:bodyPr>
+          <a:lstStyle/>
+          <a:p>
+            <a:r>
+              <a:rPr lang="en-CA" sz="1400" b="1"/>
+              <a:t>Web page displayed in Webview</a:t>
+            </a:r>
+            <a:endParaRPr lang="en-CA" sz="1400" b="1" dirty="0"/>
+          </a:p>
+        </p:txBody>
+      </p:sp>
+      <p:pic>
+        <p:nvPicPr>
+          <p:cNvPr id="16" name="Picture 15">
+            <a:extLst>
+              <a:ext uri="{FF2B5EF4-FFF2-40B4-BE49-F238E27FC236}">
+                <a16:creationId xmlns:a16="http://schemas.microsoft.com/office/drawing/2014/main" id="{75837359-BF43-4EC0-92DE-1C4245BB9421}"/>
+              </a:ext>
+            </a:extLst>
+          </p:cNvPr>
+          <p:cNvPicPr>
+            <a:picLocks noChangeAspect="1"/>
+          </p:cNvPicPr>
+          <p:nvPr/>
+        </p:nvPicPr>
+        <p:blipFill>
+          <a:blip r:embed="rId6">
+            <a:extLst>
+              <a:ext uri="{28A0092B-C50C-407E-A947-70E740481C1C}">
+                <a14:useLocalDpi xmlns:a14="http://schemas.microsoft.com/office/drawing/2010/main" val="0"/>
+              </a:ext>
+            </a:extLst>
+          </a:blip>
+          <a:stretch>
+            <a:fillRect/>
+          </a:stretch>
+        </p:blipFill>
+        <p:spPr>
+          <a:xfrm>
+            <a:off x="8491688" y="1008570"/>
+            <a:ext cx="490034" cy="631104"/>
+          </a:xfrm>
+          <a:prstGeom prst="rect">
+            <a:avLst/>
+          </a:prstGeom>
+        </p:spPr>
+      </p:pic>
+      <p:pic>
+        <p:nvPicPr>
+          <p:cNvPr id="6" name="Picture 5">
+            <a:extLst>
+              <a:ext uri="{FF2B5EF4-FFF2-40B4-BE49-F238E27FC236}">
+                <a16:creationId xmlns:a16="http://schemas.microsoft.com/office/drawing/2014/main" id="{78F3D92A-8B92-4982-8529-2694B16671B8}"/>
+              </a:ext>
+            </a:extLst>
+          </p:cNvPr>
+          <p:cNvPicPr>
+            <a:picLocks noChangeAspect="1"/>
+          </p:cNvPicPr>
+          <p:nvPr/>
+        </p:nvPicPr>
+        <p:blipFill>
+          <a:blip r:embed="rId7">
+            <a:extLst>
+              <a:ext uri="{28A0092B-C50C-407E-A947-70E740481C1C}">
+                <a14:useLocalDpi xmlns:a14="http://schemas.microsoft.com/office/drawing/2010/main" val="0"/>
+              </a:ext>
+            </a:extLst>
+          </a:blip>
+          <a:stretch>
+            <a:fillRect/>
+          </a:stretch>
+        </p:blipFill>
+        <p:spPr>
+          <a:xfrm>
+            <a:off x="9422168" y="699900"/>
+            <a:ext cx="2472621" cy="4395769"/>
+          </a:xfrm>
+          <a:prstGeom prst="rect">
+            <a:avLst/>
+          </a:prstGeom>
+          <a:ln>
+            <a:solidFill>
+              <a:schemeClr val="tx1"/>
+            </a:solidFill>
+          </a:ln>
+        </p:spPr>
+      </p:pic>
+      <p:sp>
+        <p:nvSpPr>
+          <p:cNvPr id="32" name="Arrow: Left-Right 31">
+            <a:extLst>
+              <a:ext uri="{FF2B5EF4-FFF2-40B4-BE49-F238E27FC236}">
+                <a16:creationId xmlns:a16="http://schemas.microsoft.com/office/drawing/2014/main" id="{213E7E84-63A9-42AA-97E6-82721F5B2912}"/>
               </a:ext>
             </a:extLst>
           </p:cNvPr>
@@ -5600,9 +5470,9 @@
           <p:nvPr/>
         </p:nvSpPr>
         <p:spPr>
-          <a:xfrm>
-            <a:off x="7543699" y="3037589"/>
-            <a:ext cx="1826971" cy="241871"/>
+          <a:xfrm rot="16200000">
+            <a:off x="1397595" y="2270729"/>
+            <a:ext cx="1186327" cy="177512"/>
           </a:xfrm>
           <a:prstGeom prst="leftRightArrow">
             <a:avLst/>
@@ -5635,10 +5505,10 @@
       </p:sp>
       <p:pic>
         <p:nvPicPr>
-          <p:cNvPr id="70" name="Picture 69">
-            <a:extLst>
-              <a:ext uri="{FF2B5EF4-FFF2-40B4-BE49-F238E27FC236}">
-                <a16:creationId xmlns:a16="http://schemas.microsoft.com/office/drawing/2014/main" id="{556120BA-2181-4AC1-9CAB-D3D7241C5AD2}"/>
+          <p:cNvPr id="4" name="Picture 3">
+            <a:extLst>
+              <a:ext uri="{FF2B5EF4-FFF2-40B4-BE49-F238E27FC236}">
+                <a16:creationId xmlns:a16="http://schemas.microsoft.com/office/drawing/2014/main" id="{C26EE41F-E818-4B46-B87A-DF939D4BE141}"/>
               </a:ext>
             </a:extLst>
           </p:cNvPr>
@@ -5648,7 +5518,7 @@
           <p:nvPr/>
         </p:nvPicPr>
         <p:blipFill>
-          <a:blip r:embed="rId7">
+          <a:blip r:embed="rId8">
             <a:extLst>
               <a:ext uri="{28A0092B-C50C-407E-A947-70E740481C1C}">
                 <a14:useLocalDpi xmlns:a14="http://schemas.microsoft.com/office/drawing/2010/main" val="0"/>
@@ -5661,20 +5531,55 @@
         </p:blipFill>
         <p:spPr>
           <a:xfrm>
-            <a:off x="7875498" y="2834248"/>
-            <a:ext cx="1051839" cy="631104"/>
+            <a:off x="5055399" y="662261"/>
+            <a:ext cx="2472621" cy="4395770"/>
           </a:xfrm>
           <a:prstGeom prst="rect">
             <a:avLst/>
           </a:prstGeom>
+          <a:ln>
+            <a:solidFill>
+              <a:schemeClr val="tx1"/>
+            </a:solidFill>
+          </a:ln>
         </p:spPr>
       </p:pic>
-      <p:sp>
-        <p:nvSpPr>
-          <p:cNvPr id="71" name="TextBox 70">
-            <a:extLst>
-              <a:ext uri="{FF2B5EF4-FFF2-40B4-BE49-F238E27FC236}">
-                <a16:creationId xmlns:a16="http://schemas.microsoft.com/office/drawing/2014/main" id="{26106624-6AAC-4564-8E95-67B39E61DCFA}"/>
+    </p:spTree>
+    <p:extLst>
+      <p:ext uri="{BB962C8B-B14F-4D97-AF65-F5344CB8AC3E}">
+        <p14:creationId xmlns:p14="http://schemas.microsoft.com/office/powerpoint/2010/main" val="2817800073"/>
+      </p:ext>
+    </p:extLst>
+  </p:cSld>
+  <p:clrMapOvr>
+    <a:masterClrMapping/>
+  </p:clrMapOvr>
+</p:sld>
+</file>
+
+<file path=ppt/slides/slide4.xml><?xml version="1.0" encoding="utf-8"?>
+<p:sld xmlns:a="http://schemas.openxmlformats.org/drawingml/2006/main" xmlns:r="http://schemas.openxmlformats.org/officeDocument/2006/relationships" xmlns:p="http://schemas.openxmlformats.org/presentationml/2006/main">
+  <p:cSld>
+    <p:spTree>
+      <p:nvGrpSpPr>
+        <p:cNvPr id="1" name=""/>
+        <p:cNvGrpSpPr/>
+        <p:nvPr/>
+      </p:nvGrpSpPr>
+      <p:grpSpPr>
+        <a:xfrm>
+          <a:off x="0" y="0"/>
+          <a:ext cx="0" cy="0"/>
+          <a:chOff x="0" y="0"/>
+          <a:chExt cx="0" cy="0"/>
+        </a:xfrm>
+      </p:grpSpPr>
+      <p:sp>
+        <p:nvSpPr>
+          <p:cNvPr id="25" name="TextBox 24">
+            <a:extLst>
+              <a:ext uri="{FF2B5EF4-FFF2-40B4-BE49-F238E27FC236}">
+                <a16:creationId xmlns:a16="http://schemas.microsoft.com/office/drawing/2014/main" id="{D54E3343-3092-459D-B1FF-F7CDFCFEFE87}"/>
               </a:ext>
             </a:extLst>
           </p:cNvPr>
@@ -5683,8 +5588,8 @@
         </p:nvSpPr>
         <p:spPr>
           <a:xfrm>
-            <a:off x="7740331" y="3297713"/>
-            <a:ext cx="1279341" cy="523220"/>
+            <a:off x="196753" y="40478"/>
+            <a:ext cx="2723438" cy="276999"/>
           </a:xfrm>
           <a:prstGeom prst="rect">
             <a:avLst/>
@@ -5692,14 +5597,84 @@
           <a:noFill/>
         </p:spPr>
         <p:txBody>
-          <a:bodyPr wrap="square" rtlCol="0">
+          <a:bodyPr wrap="none" rtlCol="0">
             <a:spAutoFit/>
           </a:bodyPr>
           <a:lstStyle/>
           <a:p>
             <a:r>
+              <a:rPr lang="en-CA" sz="1200" b="1"/>
+              <a:t>Architecture Feb 2020 blog version flow</a:t>
+            </a:r>
+            <a:endParaRPr lang="en-CA" sz="1200" b="1" dirty="0"/>
+          </a:p>
+        </p:txBody>
+      </p:sp>
+      <p:sp>
+        <p:nvSpPr>
+          <p:cNvPr id="29" name="TextBox 28">
+            <a:extLst>
+              <a:ext uri="{FF2B5EF4-FFF2-40B4-BE49-F238E27FC236}">
+                <a16:creationId xmlns:a16="http://schemas.microsoft.com/office/drawing/2014/main" id="{E1FEFF1C-C96B-45F1-8F61-06D32AA4DD2C}"/>
+              </a:ext>
+            </a:extLst>
+          </p:cNvPr>
+          <p:cNvSpPr txBox="1"/>
+          <p:nvPr/>
+        </p:nvSpPr>
+        <p:spPr>
+          <a:xfrm>
+            <a:off x="4920437" y="5148539"/>
+            <a:ext cx="3229730" cy="954107"/>
+          </a:xfrm>
+          <a:prstGeom prst="rect">
+            <a:avLst/>
+          </a:prstGeom>
+          <a:noFill/>
+        </p:spPr>
+        <p:txBody>
+          <a:bodyPr wrap="none" rtlCol="0">
+            <a:spAutoFit/>
+          </a:bodyPr>
+          <a:lstStyle/>
+          <a:p>
+            <a:pPr marL="285750" indent="-285750">
+              <a:buFont typeface="Arial" panose="020B0604020202020204" pitchFamily="34" charset="0"/>
+              <a:buChar char="•"/>
+            </a:pPr>
+            <a:r>
               <a:rPr lang="en-CA" sz="1400" b="1" i="1"/>
-              <a:t>Webview / FM link</a:t>
+              <a:t>Bot prompts for input</a:t>
+            </a:r>
+          </a:p>
+          <a:p>
+            <a:pPr marL="285750" indent="-285750">
+              <a:buFont typeface="Arial" panose="020B0604020202020204" pitchFamily="34" charset="0"/>
+              <a:buChar char="•"/>
+            </a:pPr>
+            <a:r>
+              <a:rPr lang="en-CA" sz="1400" b="1" i="1"/>
+              <a:t>User responds with province name</a:t>
+            </a:r>
+          </a:p>
+          <a:p>
+            <a:pPr marL="285750" indent="-285750">
+              <a:buFont typeface="Arial" panose="020B0604020202020204" pitchFamily="34" charset="0"/>
+              <a:buChar char="•"/>
+            </a:pPr>
+            <a:r>
+              <a:rPr lang="en-CA" sz="1400" b="1" i="1"/>
+              <a:t>Button appears</a:t>
+            </a:r>
+          </a:p>
+          <a:p>
+            <a:pPr marL="285750" indent="-285750">
+              <a:buFont typeface="Arial" panose="020B0604020202020204" pitchFamily="34" charset="0"/>
+              <a:buChar char="•"/>
+            </a:pPr>
+            <a:r>
+              <a:rPr lang="en-CA" sz="1400" b="1" i="1"/>
+              <a:t>When button clicked, webview opens</a:t>
             </a:r>
             <a:endParaRPr lang="en-CA" sz="1400" b="1" i="1" dirty="0"/>
           </a:p>
@@ -5707,10 +5682,10 @@
       </p:sp>
       <p:sp>
         <p:nvSpPr>
-          <p:cNvPr id="72" name="Arrow: Left-Right 71">
-            <a:extLst>
-              <a:ext uri="{FF2B5EF4-FFF2-40B4-BE49-F238E27FC236}">
-                <a16:creationId xmlns:a16="http://schemas.microsoft.com/office/drawing/2014/main" id="{F1F0664F-9939-4251-992C-1CACB83A0DF4}"/>
+          <p:cNvPr id="69" name="Arrow: Left-Right 68">
+            <a:extLst>
+              <a:ext uri="{FF2B5EF4-FFF2-40B4-BE49-F238E27FC236}">
+                <a16:creationId xmlns:a16="http://schemas.microsoft.com/office/drawing/2014/main" id="{9D8D1F09-08A9-40ED-B90D-4029208380C5}"/>
               </a:ext>
             </a:extLst>
           </p:cNvPr>
@@ -5718,9 +5693,9 @@
           <p:nvPr/>
         </p:nvSpPr>
         <p:spPr>
-          <a:xfrm rot="16200000">
-            <a:off x="7775265" y="2253999"/>
-            <a:ext cx="1186327" cy="177512"/>
+          <a:xfrm>
+            <a:off x="7543699" y="3037589"/>
+            <a:ext cx="1826971" cy="241871"/>
           </a:xfrm>
           <a:prstGeom prst="leftRightArrow">
             <a:avLst/>
@@ -5765,8 +5740,8 @@
         </p:nvSpPr>
         <p:spPr>
           <a:xfrm>
-            <a:off x="9405571" y="5151184"/>
-            <a:ext cx="2588209" cy="307777"/>
+            <a:off x="9405571" y="5148539"/>
+            <a:ext cx="2655249" cy="954107"/>
           </a:xfrm>
           <a:prstGeom prst="rect">
             <a:avLst/>
@@ -5774,25 +5749,39 @@
           <a:noFill/>
         </p:spPr>
         <p:txBody>
-          <a:bodyPr wrap="none" rtlCol="0">
+          <a:bodyPr wrap="square" rtlCol="0">
             <a:spAutoFit/>
           </a:bodyPr>
           <a:lstStyle/>
           <a:p>
-            <a:r>
-              <a:rPr lang="en-CA" sz="1400" b="1"/>
-              <a:t>Web page displayed in Webview</a:t>
-            </a:r>
-            <a:endParaRPr lang="en-CA" sz="1400" b="1" dirty="0"/>
+            <a:pPr marL="285750" indent="-285750">
+              <a:buFont typeface="Arial" panose="020B0604020202020204" pitchFamily="34" charset="0"/>
+              <a:buChar char="•"/>
+            </a:pPr>
+            <a:r>
+              <a:rPr lang="en-CA" sz="1400" b="1" i="1"/>
+              <a:t>Displayed in context of Facebook  Messenger</a:t>
+            </a:r>
+          </a:p>
+          <a:p>
+            <a:pPr marL="285750" indent="-285750">
+              <a:buFont typeface="Arial" panose="020B0604020202020204" pitchFamily="34" charset="0"/>
+              <a:buChar char="•"/>
+            </a:pPr>
+            <a:r>
+              <a:rPr lang="en-CA" sz="1400" b="1" i="1"/>
+              <a:t>Close webview to get back to Facebook Messenger</a:t>
+            </a:r>
+            <a:endParaRPr lang="en-CA" sz="1400" b="1" i="1" dirty="0"/>
           </a:p>
         </p:txBody>
       </p:sp>
       <p:pic>
         <p:nvPicPr>
-          <p:cNvPr id="14" name="Picture 13">
-            <a:extLst>
-              <a:ext uri="{FF2B5EF4-FFF2-40B4-BE49-F238E27FC236}">
-                <a16:creationId xmlns:a16="http://schemas.microsoft.com/office/drawing/2014/main" id="{2309212E-8FB5-4657-822E-C853A972C92F}"/>
+          <p:cNvPr id="6" name="Picture 5">
+            <a:extLst>
+              <a:ext uri="{FF2B5EF4-FFF2-40B4-BE49-F238E27FC236}">
+                <a16:creationId xmlns:a16="http://schemas.microsoft.com/office/drawing/2014/main" id="{78F3D92A-8B92-4982-8529-2694B16671B8}"/>
               </a:ext>
             </a:extLst>
           </p:cNvPr>
@@ -5802,7 +5791,7 @@
           <p:nvPr/>
         </p:nvPicPr>
         <p:blipFill>
-          <a:blip r:embed="rId8">
+          <a:blip r:embed="rId2">
             <a:extLst>
               <a:ext uri="{28A0092B-C50C-407E-A947-70E740481C1C}">
                 <a14:useLocalDpi xmlns:a14="http://schemas.microsoft.com/office/drawing/2010/main" val="0"/>
@@ -5815,20 +5804,25 @@
         </p:blipFill>
         <p:spPr>
           <a:xfrm>
-            <a:off x="9466681" y="5610086"/>
-            <a:ext cx="669477" cy="669477"/>
+            <a:off x="9422168" y="662261"/>
+            <a:ext cx="2472621" cy="4395769"/>
           </a:xfrm>
           <a:prstGeom prst="rect">
             <a:avLst/>
           </a:prstGeom>
+          <a:ln>
+            <a:solidFill>
+              <a:schemeClr val="tx1"/>
+            </a:solidFill>
+          </a:ln>
         </p:spPr>
       </p:pic>
       <p:pic>
         <p:nvPicPr>
-          <p:cNvPr id="16" name="Picture 15">
-            <a:extLst>
-              <a:ext uri="{FF2B5EF4-FFF2-40B4-BE49-F238E27FC236}">
-                <a16:creationId xmlns:a16="http://schemas.microsoft.com/office/drawing/2014/main" id="{75837359-BF43-4EC0-92DE-1C4245BB9421}"/>
+          <p:cNvPr id="4" name="Picture 3">
+            <a:extLst>
+              <a:ext uri="{FF2B5EF4-FFF2-40B4-BE49-F238E27FC236}">
+                <a16:creationId xmlns:a16="http://schemas.microsoft.com/office/drawing/2014/main" id="{C26EE41F-E818-4B46-B87A-DF939D4BE141}"/>
               </a:ext>
             </a:extLst>
           </p:cNvPr>
@@ -5838,7 +5832,7 @@
           <p:nvPr/>
         </p:nvPicPr>
         <p:blipFill>
-          <a:blip r:embed="rId9">
+          <a:blip r:embed="rId3">
             <a:extLst>
               <a:ext uri="{28A0092B-C50C-407E-A947-70E740481C1C}">
                 <a14:useLocalDpi xmlns:a14="http://schemas.microsoft.com/office/drawing/2010/main" val="0"/>
@@ -5851,400 +5845,93 @@
         </p:blipFill>
         <p:spPr>
           <a:xfrm>
-            <a:off x="8491688" y="1008570"/>
-            <a:ext cx="490034" cy="631104"/>
+            <a:off x="5055399" y="662261"/>
+            <a:ext cx="2472621" cy="4395770"/>
           </a:xfrm>
           <a:prstGeom prst="rect">
             <a:avLst/>
           </a:prstGeom>
+          <a:ln>
+            <a:solidFill>
+              <a:schemeClr val="tx1"/>
+            </a:solidFill>
+          </a:ln>
         </p:spPr>
       </p:pic>
-      <p:pic>
-        <p:nvPicPr>
-          <p:cNvPr id="18" name="Picture 17">
-            <a:extLst>
-              <a:ext uri="{FF2B5EF4-FFF2-40B4-BE49-F238E27FC236}">
-                <a16:creationId xmlns:a16="http://schemas.microsoft.com/office/drawing/2014/main" id="{375D805E-68AA-4A1D-96E5-94835084A8CD}"/>
-              </a:ext>
-            </a:extLst>
-          </p:cNvPr>
-          <p:cNvPicPr>
-            <a:picLocks noChangeAspect="1"/>
-          </p:cNvPicPr>
+      <p:sp>
+        <p:nvSpPr>
+          <p:cNvPr id="26" name="TextBox 25">
+            <a:extLst>
+              <a:ext uri="{FF2B5EF4-FFF2-40B4-BE49-F238E27FC236}">
+                <a16:creationId xmlns:a16="http://schemas.microsoft.com/office/drawing/2014/main" id="{D86CA8D8-0455-4EB4-8F3F-B8C845428C6E}"/>
+              </a:ext>
+            </a:extLst>
+          </p:cNvPr>
+          <p:cNvSpPr txBox="1"/>
           <p:nvPr/>
-        </p:nvPicPr>
-        <p:blipFill>
-          <a:blip r:embed="rId10">
-            <a:extLst>
-              <a:ext uri="{28A0092B-C50C-407E-A947-70E740481C1C}">
-                <a14:useLocalDpi xmlns:a14="http://schemas.microsoft.com/office/drawing/2010/main" val="0"/>
-              </a:ext>
-            </a:extLst>
-          </a:blip>
-          <a:stretch>
-            <a:fillRect/>
-          </a:stretch>
-        </p:blipFill>
-        <p:spPr>
-          <a:xfrm>
-            <a:off x="10128761" y="5409042"/>
-            <a:ext cx="1071563" cy="1071563"/>
+        </p:nvSpPr>
+        <p:spPr>
+          <a:xfrm>
+            <a:off x="4989883" y="348723"/>
+            <a:ext cx="2609561" cy="307777"/>
           </a:xfrm>
           <a:prstGeom prst="rect">
             <a:avLst/>
           </a:prstGeom>
-        </p:spPr>
-      </p:pic>
-      <p:pic>
-        <p:nvPicPr>
-          <p:cNvPr id="21" name="Picture 20">
-            <a:extLst>
-              <a:ext uri="{FF2B5EF4-FFF2-40B4-BE49-F238E27FC236}">
-                <a16:creationId xmlns:a16="http://schemas.microsoft.com/office/drawing/2014/main" id="{F315A24F-6E85-4E69-A9C8-4B464B873A43}"/>
-              </a:ext>
-            </a:extLst>
-          </p:cNvPr>
-          <p:cNvPicPr>
-            <a:picLocks noChangeAspect="1"/>
-          </p:cNvPicPr>
+          <a:noFill/>
+        </p:spPr>
+        <p:txBody>
+          <a:bodyPr wrap="none" rtlCol="0">
+            <a:spAutoFit/>
+          </a:bodyPr>
+          <a:lstStyle/>
+          <a:p>
+            <a:r>
+              <a:rPr lang="en-CA" sz="1400" b="1"/>
+              <a:t>Rasa bot in Facebook Messenger</a:t>
+            </a:r>
+          </a:p>
+        </p:txBody>
+      </p:sp>
+      <p:sp>
+        <p:nvSpPr>
+          <p:cNvPr id="28" name="TextBox 27">
+            <a:extLst>
+              <a:ext uri="{FF2B5EF4-FFF2-40B4-BE49-F238E27FC236}">
+                <a16:creationId xmlns:a16="http://schemas.microsoft.com/office/drawing/2014/main" id="{A3550CF2-E8FA-4FAF-9A0A-528EE4501F5D}"/>
+              </a:ext>
+            </a:extLst>
+          </p:cNvPr>
+          <p:cNvSpPr txBox="1"/>
           <p:nvPr/>
-        </p:nvPicPr>
-        <p:blipFill>
-          <a:blip r:embed="rId11">
-            <a:extLst>
-              <a:ext uri="{28A0092B-C50C-407E-A947-70E740481C1C}">
-                <a14:useLocalDpi xmlns:a14="http://schemas.microsoft.com/office/drawing/2010/main" val="0"/>
-              </a:ext>
-            </a:extLst>
-          </a:blip>
-          <a:stretch>
-            <a:fillRect/>
-          </a:stretch>
-        </p:blipFill>
-        <p:spPr>
-          <a:xfrm>
-            <a:off x="5401798" y="5597947"/>
-            <a:ext cx="662771" cy="683764"/>
+        </p:nvSpPr>
+        <p:spPr>
+          <a:xfrm>
+            <a:off x="8665159" y="348723"/>
+            <a:ext cx="3532057" cy="307777"/>
           </a:xfrm>
           <a:prstGeom prst="rect">
             <a:avLst/>
           </a:prstGeom>
-        </p:spPr>
-      </p:pic>
-      <p:sp>
-        <p:nvSpPr>
-          <p:cNvPr id="74" name="Arrow: Left-Right 73">
-            <a:extLst>
-              <a:ext uri="{FF2B5EF4-FFF2-40B4-BE49-F238E27FC236}">
-                <a16:creationId xmlns:a16="http://schemas.microsoft.com/office/drawing/2014/main" id="{1CDAD12C-3311-4733-A5D8-1445D1202540}"/>
-              </a:ext>
-            </a:extLst>
-          </p:cNvPr>
-          <p:cNvSpPr/>
-          <p:nvPr/>
-        </p:nvSpPr>
-        <p:spPr>
-          <a:xfrm rot="20447445">
-            <a:off x="5863180" y="5454316"/>
-            <a:ext cx="3630785" cy="224526"/>
-          </a:xfrm>
-          <a:prstGeom prst="leftRightArrow">
-            <a:avLst/>
-          </a:prstGeom>
-        </p:spPr>
-        <p:style>
-          <a:lnRef idx="2">
-            <a:schemeClr val="accent1">
-              <a:shade val="50000"/>
-            </a:schemeClr>
-          </a:lnRef>
-          <a:fillRef idx="1">
-            <a:schemeClr val="accent1"/>
-          </a:fillRef>
-          <a:effectRef idx="0">
-            <a:schemeClr val="accent1"/>
-          </a:effectRef>
-          <a:fontRef idx="minor">
-            <a:schemeClr val="lt1"/>
-          </a:fontRef>
-        </p:style>
-        <p:txBody>
-          <a:bodyPr rtlCol="0" anchor="ctr"/>
-          <a:lstStyle/>
-          <a:p>
-            <a:pPr algn="ctr"/>
-            <a:endParaRPr lang="en-CA"/>
-          </a:p>
-        </p:txBody>
-      </p:sp>
-      <p:sp>
-        <p:nvSpPr>
-          <p:cNvPr id="75" name="Arrow: Left-Right 74">
-            <a:extLst>
-              <a:ext uri="{FF2B5EF4-FFF2-40B4-BE49-F238E27FC236}">
-                <a16:creationId xmlns:a16="http://schemas.microsoft.com/office/drawing/2014/main" id="{0F1FD4BA-E8CC-4384-B574-9D0FC768FB71}"/>
-              </a:ext>
-            </a:extLst>
-          </p:cNvPr>
-          <p:cNvSpPr/>
-          <p:nvPr/>
-        </p:nvSpPr>
-        <p:spPr>
-          <a:xfrm rot="2167684">
-            <a:off x="1986471" y="4809872"/>
-            <a:ext cx="3851685" cy="241619"/>
-          </a:xfrm>
-          <a:prstGeom prst="leftRightArrow">
-            <a:avLst/>
-          </a:prstGeom>
-        </p:spPr>
-        <p:style>
-          <a:lnRef idx="2">
-            <a:schemeClr val="accent1">
-              <a:shade val="50000"/>
-            </a:schemeClr>
-          </a:lnRef>
-          <a:fillRef idx="1">
-            <a:schemeClr val="accent1"/>
-          </a:fillRef>
-          <a:effectRef idx="0">
-            <a:schemeClr val="accent1"/>
-          </a:effectRef>
-          <a:fontRef idx="minor">
-            <a:schemeClr val="lt1"/>
-          </a:fontRef>
-        </p:style>
-        <p:txBody>
-          <a:bodyPr rtlCol="0" anchor="ctr"/>
-          <a:lstStyle/>
-          <a:p>
-            <a:pPr algn="ctr"/>
-            <a:endParaRPr lang="en-CA"/>
-          </a:p>
-        </p:txBody>
-      </p:sp>
-      <p:grpSp>
-        <p:nvGrpSpPr>
-          <p:cNvPr id="37" name="Group 36">
-            <a:extLst>
-              <a:ext uri="{FF2B5EF4-FFF2-40B4-BE49-F238E27FC236}">
-                <a16:creationId xmlns:a16="http://schemas.microsoft.com/office/drawing/2014/main" id="{F4F297A2-0E8D-4164-A8B6-CAD48C81F83E}"/>
-              </a:ext>
-            </a:extLst>
-          </p:cNvPr>
-          <p:cNvGrpSpPr/>
-          <p:nvPr/>
-        </p:nvGrpSpPr>
-        <p:grpSpPr>
-          <a:xfrm>
-            <a:off x="8161488" y="330687"/>
-            <a:ext cx="330200" cy="345730"/>
-            <a:chOff x="5075893" y="957258"/>
-            <a:chExt cx="330200" cy="345730"/>
-          </a:xfrm>
-        </p:grpSpPr>
-        <p:sp>
-          <p:nvSpPr>
-            <p:cNvPr id="39" name="Flowchart: Connector 38">
-              <a:extLst>
-                <a:ext uri="{FF2B5EF4-FFF2-40B4-BE49-F238E27FC236}">
-                  <a16:creationId xmlns:a16="http://schemas.microsoft.com/office/drawing/2014/main" id="{237631E7-A8AF-42B8-8B7B-FA6C1B2123AE}"/>
-                </a:ext>
-              </a:extLst>
-            </p:cNvPr>
-            <p:cNvSpPr/>
-            <p:nvPr/>
-          </p:nvSpPr>
-          <p:spPr>
-            <a:xfrm>
-              <a:off x="5075893" y="969542"/>
-              <a:ext cx="330200" cy="333446"/>
-            </a:xfrm>
-            <a:prstGeom prst="flowChartConnector">
-              <a:avLst/>
-            </a:prstGeom>
-            <a:noFill/>
-            <a:ln w="25400">
-              <a:solidFill>
-                <a:schemeClr val="tx1"/>
-              </a:solidFill>
-            </a:ln>
-          </p:spPr>
-          <p:style>
-            <a:lnRef idx="2">
-              <a:schemeClr val="accent1">
-                <a:shade val="50000"/>
-              </a:schemeClr>
-            </a:lnRef>
-            <a:fillRef idx="1">
-              <a:schemeClr val="accent1"/>
-            </a:fillRef>
-            <a:effectRef idx="0">
-              <a:schemeClr val="accent1"/>
-            </a:effectRef>
-            <a:fontRef idx="minor">
-              <a:schemeClr val="lt1"/>
-            </a:fontRef>
-          </p:style>
-          <p:txBody>
-            <a:bodyPr rtlCol="0" anchor="ctr"/>
-            <a:lstStyle/>
-            <a:p>
-              <a:pPr algn="ctr"/>
-              <a:endParaRPr lang="en-CA"/>
-            </a:p>
-          </p:txBody>
-        </p:sp>
-        <p:sp>
-          <p:nvSpPr>
-            <p:cNvPr id="44" name="TextBox 43">
-              <a:extLst>
-                <a:ext uri="{FF2B5EF4-FFF2-40B4-BE49-F238E27FC236}">
-                  <a16:creationId xmlns:a16="http://schemas.microsoft.com/office/drawing/2014/main" id="{DA74E494-772B-467A-BDFF-4A66C923464A}"/>
-                </a:ext>
-              </a:extLst>
-            </p:cNvPr>
-            <p:cNvSpPr txBox="1"/>
-            <p:nvPr/>
-          </p:nvSpPr>
-          <p:spPr>
-            <a:xfrm>
-              <a:off x="5096562" y="957258"/>
-              <a:ext cx="288862" cy="338554"/>
-            </a:xfrm>
-            <a:prstGeom prst="rect">
-              <a:avLst/>
-            </a:prstGeom>
-            <a:noFill/>
-          </p:spPr>
-          <p:txBody>
-            <a:bodyPr wrap="none" rtlCol="0">
-              <a:spAutoFit/>
-            </a:bodyPr>
-            <a:lstStyle/>
-            <a:p>
-              <a:r>
-                <a:rPr lang="en-CA" sz="1600"/>
-                <a:t>1</a:t>
-              </a:r>
-              <a:endParaRPr lang="en-CA" sz="1600" dirty="0"/>
-            </a:p>
-          </p:txBody>
-        </p:sp>
-      </p:grpSp>
-      <p:grpSp>
-        <p:nvGrpSpPr>
-          <p:cNvPr id="45" name="Group 44">
-            <a:extLst>
-              <a:ext uri="{FF2B5EF4-FFF2-40B4-BE49-F238E27FC236}">
-                <a16:creationId xmlns:a16="http://schemas.microsoft.com/office/drawing/2014/main" id="{2CF32CEC-377D-4B18-80F7-5A2CC7BE3CE7}"/>
-              </a:ext>
-            </a:extLst>
-          </p:cNvPr>
-          <p:cNvGrpSpPr/>
-          <p:nvPr/>
-        </p:nvGrpSpPr>
-        <p:grpSpPr>
-          <a:xfrm>
-            <a:off x="10084209" y="330008"/>
-            <a:ext cx="330200" cy="345730"/>
-            <a:chOff x="5075893" y="957258"/>
-            <a:chExt cx="330200" cy="345730"/>
-          </a:xfrm>
-        </p:grpSpPr>
-        <p:sp>
-          <p:nvSpPr>
-            <p:cNvPr id="46" name="Flowchart: Connector 45">
-              <a:extLst>
-                <a:ext uri="{FF2B5EF4-FFF2-40B4-BE49-F238E27FC236}">
-                  <a16:creationId xmlns:a16="http://schemas.microsoft.com/office/drawing/2014/main" id="{BF6B366A-44F0-4714-88DD-19401F8395B8}"/>
-                </a:ext>
-              </a:extLst>
-            </p:cNvPr>
-            <p:cNvSpPr/>
-            <p:nvPr/>
-          </p:nvSpPr>
-          <p:spPr>
-            <a:xfrm>
-              <a:off x="5075893" y="969542"/>
-              <a:ext cx="330200" cy="333446"/>
-            </a:xfrm>
-            <a:prstGeom prst="flowChartConnector">
-              <a:avLst/>
-            </a:prstGeom>
-            <a:noFill/>
-            <a:ln w="25400">
-              <a:solidFill>
-                <a:schemeClr val="tx1"/>
-              </a:solidFill>
-            </a:ln>
-          </p:spPr>
-          <p:style>
-            <a:lnRef idx="2">
-              <a:schemeClr val="accent1">
-                <a:shade val="50000"/>
-              </a:schemeClr>
-            </a:lnRef>
-            <a:fillRef idx="1">
-              <a:schemeClr val="accent1"/>
-            </a:fillRef>
-            <a:effectRef idx="0">
-              <a:schemeClr val="accent1"/>
-            </a:effectRef>
-            <a:fontRef idx="minor">
-              <a:schemeClr val="lt1"/>
-            </a:fontRef>
-          </p:style>
-          <p:txBody>
-            <a:bodyPr rtlCol="0" anchor="ctr"/>
-            <a:lstStyle/>
-            <a:p>
-              <a:pPr algn="ctr"/>
-              <a:endParaRPr lang="en-CA"/>
-            </a:p>
-          </p:txBody>
-        </p:sp>
-        <p:sp>
-          <p:nvSpPr>
-            <p:cNvPr id="47" name="TextBox 46">
-              <a:extLst>
-                <a:ext uri="{FF2B5EF4-FFF2-40B4-BE49-F238E27FC236}">
-                  <a16:creationId xmlns:a16="http://schemas.microsoft.com/office/drawing/2014/main" id="{4B2DFA50-3670-431D-8A02-4F3FAD073047}"/>
-                </a:ext>
-              </a:extLst>
-            </p:cNvPr>
-            <p:cNvSpPr txBox="1"/>
-            <p:nvPr/>
-          </p:nvSpPr>
-          <p:spPr>
-            <a:xfrm>
-              <a:off x="5096562" y="957258"/>
-              <a:ext cx="288862" cy="338554"/>
-            </a:xfrm>
-            <a:prstGeom prst="rect">
-              <a:avLst/>
-            </a:prstGeom>
-            <a:noFill/>
-          </p:spPr>
-          <p:txBody>
-            <a:bodyPr wrap="none" rtlCol="0">
-              <a:spAutoFit/>
-            </a:bodyPr>
-            <a:lstStyle/>
-            <a:p>
-              <a:r>
-                <a:rPr lang="en-CA" sz="1600"/>
-                <a:t>2</a:t>
-              </a:r>
-              <a:endParaRPr lang="en-CA" sz="1600" dirty="0"/>
-            </a:p>
-          </p:txBody>
-        </p:sp>
-      </p:grpSp>
+          <a:noFill/>
+        </p:spPr>
+        <p:txBody>
+          <a:bodyPr wrap="none" rtlCol="0">
+            <a:spAutoFit/>
+          </a:bodyPr>
+          <a:lstStyle/>
+          <a:p>
+            <a:r>
+              <a:rPr lang="en-CA" sz="1400" b="1"/>
+              <a:t>Dynamically generated web page in webview</a:t>
+            </a:r>
+          </a:p>
+        </p:txBody>
+      </p:sp>
     </p:spTree>
     <p:extLst>
       <p:ext uri="{BB962C8B-B14F-4D97-AF65-F5344CB8AC3E}">
-        <p14:creationId xmlns:p14="http://schemas.microsoft.com/office/powerpoint/2010/main" val="343890127"/>
+        <p14:creationId xmlns:p14="http://schemas.microsoft.com/office/powerpoint/2010/main" val="2545556869"/>
       </p:ext>
     </p:extLst>
   </p:cSld>
